--- a/lesson22.pptx
+++ b/lesson22.pptx
@@ -5,7 +5,7 @@
     <p:sldMasterId id="2147483648" r:id="rId1"/>
   </p:sldMasterIdLst>
   <p:notesMasterIdLst>
-    <p:notesMasterId r:id="rId20"/>
+    <p:notesMasterId r:id="rId21"/>
   </p:notesMasterIdLst>
   <p:sldIdLst>
     <p:sldId id="359" r:id="rId2"/>
@@ -26,6 +26,7 @@
     <p:sldId id="348" r:id="rId17"/>
     <p:sldId id="357" r:id="rId18"/>
     <p:sldId id="358" r:id="rId19"/>
+    <p:sldId id="387" r:id="rId20"/>
   </p:sldIdLst>
   <p:sldSz cx="12192000" cy="6858000"/>
   <p:notesSz cx="6858000" cy="9144000"/>
@@ -143,6 +144,113 @@
 </p:presentation>
 </file>
 
+<file path=ppt/revisionInfo.xml><?xml version="1.0" encoding="utf-8"?>
+<p1510:revInfo xmlns:a="http://schemas.openxmlformats.org/drawingml/2006/main" xmlns:r="http://schemas.openxmlformats.org/officeDocument/2006/relationships" xmlns:p1510="http://schemas.microsoft.com/office/powerpoint/2015/10/main">
+  <p1510:revLst>
+    <p1510:client id="{A7570C84-5411-476A-9F6A-28C0EE0DEE22}" v="5" dt="2021-04-16T07:25:06.830"/>
+  </p1510:revLst>
+</p1510:revInfo>
+</file>
+
+<file path=ppt/changesInfos/changesInfo1.xml><?xml version="1.0" encoding="utf-8"?>
+<pc:chgInfo xmlns:a="http://schemas.openxmlformats.org/drawingml/2006/main" xmlns:r="http://schemas.openxmlformats.org/officeDocument/2006/relationships" xmlns:ac="http://schemas.microsoft.com/office/drawing/2013/main/command" xmlns:pc="http://schemas.microsoft.com/office/powerpoint/2013/main/command">
+  <pc:docChgLst>
+    <pc:chgData name="Anatoliy Kigel" userId="7432c6c4687b0a9c" providerId="LiveId" clId="{A7570C84-5411-476A-9F6A-28C0EE0DEE22}"/>
+    <pc:docChg chg="undo custSel addSld delSld modSld sldOrd">
+      <pc:chgData name="Anatoliy Kigel" userId="7432c6c4687b0a9c" providerId="LiveId" clId="{A7570C84-5411-476A-9F6A-28C0EE0DEE22}" dt="2021-04-16T07:25:35.541" v="95" actId="404"/>
+      <pc:docMkLst>
+        <pc:docMk/>
+      </pc:docMkLst>
+      <pc:sldChg chg="addSp delSp modSp mod">
+        <pc:chgData name="Anatoliy Kigel" userId="7432c6c4687b0a9c" providerId="LiveId" clId="{A7570C84-5411-476A-9F6A-28C0EE0DEE22}" dt="2021-04-16T07:24:48.298" v="36" actId="1036"/>
+        <pc:sldMkLst>
+          <pc:docMk/>
+          <pc:sldMk cId="1849255850" sldId="358"/>
+        </pc:sldMkLst>
+        <pc:spChg chg="add del mod">
+          <ac:chgData name="Anatoliy Kigel" userId="7432c6c4687b0a9c" providerId="LiveId" clId="{A7570C84-5411-476A-9F6A-28C0EE0DEE22}" dt="2021-04-16T07:24:25.366" v="9" actId="478"/>
+          <ac:spMkLst>
+            <pc:docMk/>
+            <pc:sldMk cId="1849255850" sldId="358"/>
+            <ac:spMk id="5" creationId="{EFFCF956-ECBE-47AC-ACF3-C2F813232412}"/>
+          </ac:spMkLst>
+        </pc:spChg>
+        <pc:spChg chg="add del mod">
+          <ac:chgData name="Anatoliy Kigel" userId="7432c6c4687b0a9c" providerId="LiveId" clId="{A7570C84-5411-476A-9F6A-28C0EE0DEE22}" dt="2021-04-16T07:24:32.813" v="28" actId="404"/>
+          <ac:spMkLst>
+            <pc:docMk/>
+            <pc:sldMk cId="1849255850" sldId="358"/>
+            <ac:spMk id="7" creationId="{00000000-0000-0000-0000-000000000000}"/>
+          </ac:spMkLst>
+        </pc:spChg>
+        <pc:spChg chg="add del mod">
+          <ac:chgData name="Anatoliy Kigel" userId="7432c6c4687b0a9c" providerId="LiveId" clId="{A7570C84-5411-476A-9F6A-28C0EE0DEE22}" dt="2021-04-16T07:24:24.893" v="8"/>
+          <ac:spMkLst>
+            <pc:docMk/>
+            <pc:sldMk cId="1849255850" sldId="358"/>
+            <ac:spMk id="8" creationId="{B6B45CE2-4C37-49CD-8083-5ABA1590BA25}"/>
+          </ac:spMkLst>
+        </pc:spChg>
+        <pc:spChg chg="add mod">
+          <ac:chgData name="Anatoliy Kigel" userId="7432c6c4687b0a9c" providerId="LiveId" clId="{A7570C84-5411-476A-9F6A-28C0EE0DEE22}" dt="2021-04-16T07:24:48.298" v="36" actId="1036"/>
+          <ac:spMkLst>
+            <pc:docMk/>
+            <pc:sldMk cId="1849255850" sldId="358"/>
+            <ac:spMk id="9" creationId="{08A3F6D9-4902-4CFD-AAE4-BE6285BFB572}"/>
+          </ac:spMkLst>
+        </pc:spChg>
+        <pc:picChg chg="mod">
+          <ac:chgData name="Anatoliy Kigel" userId="7432c6c4687b0a9c" providerId="LiveId" clId="{A7570C84-5411-476A-9F6A-28C0EE0DEE22}" dt="2021-04-16T07:24:29.313" v="11" actId="1076"/>
+          <ac:picMkLst>
+            <pc:docMk/>
+            <pc:sldMk cId="1849255850" sldId="358"/>
+            <ac:picMk id="4" creationId="{00000000-0000-0000-0000-000000000000}"/>
+          </ac:picMkLst>
+        </pc:picChg>
+      </pc:sldChg>
+      <pc:sldChg chg="modSp add del mod ord">
+        <pc:chgData name="Anatoliy Kigel" userId="7432c6c4687b0a9c" providerId="LiveId" clId="{A7570C84-5411-476A-9F6A-28C0EE0DEE22}" dt="2021-04-16T07:24:57.248" v="43" actId="47"/>
+        <pc:sldMkLst>
+          <pc:docMk/>
+          <pc:sldMk cId="4209372147" sldId="360"/>
+        </pc:sldMkLst>
+        <pc:spChg chg="mod">
+          <ac:chgData name="Anatoliy Kigel" userId="7432c6c4687b0a9c" providerId="LiveId" clId="{A7570C84-5411-476A-9F6A-28C0EE0DEE22}" dt="2021-04-16T07:23:58.735" v="4" actId="20577"/>
+          <ac:spMkLst>
+            <pc:docMk/>
+            <pc:sldMk cId="4209372147" sldId="360"/>
+            <ac:spMk id="5" creationId="{00000000-0000-0000-0000-000000000000}"/>
+          </ac:spMkLst>
+        </pc:spChg>
+      </pc:sldChg>
+      <pc:sldChg chg="addSp modSp add mod">
+        <pc:chgData name="Anatoliy Kigel" userId="7432c6c4687b0a9c" providerId="LiveId" clId="{A7570C84-5411-476A-9F6A-28C0EE0DEE22}" dt="2021-04-16T07:25:35.541" v="95" actId="404"/>
+        <pc:sldMkLst>
+          <pc:docMk/>
+          <pc:sldMk cId="3522936592" sldId="387"/>
+        </pc:sldMkLst>
+        <pc:spChg chg="mod">
+          <ac:chgData name="Anatoliy Kigel" userId="7432c6c4687b0a9c" providerId="LiveId" clId="{A7570C84-5411-476A-9F6A-28C0EE0DEE22}" dt="2021-04-16T07:25:08.717" v="46" actId="1035"/>
+          <ac:spMkLst>
+            <pc:docMk/>
+            <pc:sldMk cId="3522936592" sldId="387"/>
+            <ac:spMk id="11" creationId="{00000000-0000-0000-0000-000000000000}"/>
+          </ac:spMkLst>
+        </pc:spChg>
+        <pc:spChg chg="add mod">
+          <ac:chgData name="Anatoliy Kigel" userId="7432c6c4687b0a9c" providerId="LiveId" clId="{A7570C84-5411-476A-9F6A-28C0EE0DEE22}" dt="2021-04-16T07:25:35.541" v="95" actId="404"/>
+          <ac:spMkLst>
+            <pc:docMk/>
+            <pc:sldMk cId="3522936592" sldId="387"/>
+            <ac:spMk id="14" creationId="{8ECB4957-EBD5-4A9B-8ED7-6A20257062D4}"/>
+          </ac:spMkLst>
+        </pc:spChg>
+      </pc:sldChg>
+    </pc:docChg>
+  </pc:docChgLst>
+</pc:chgInfo>
+</file>
+
 <file path=ppt/notesMasters/notesMaster1.xml><?xml version="1.0" encoding="utf-8"?>
 <p:notesMaster xmlns:a="http://schemas.openxmlformats.org/drawingml/2006/main" xmlns:r="http://schemas.openxmlformats.org/officeDocument/2006/relationships" xmlns:p="http://schemas.openxmlformats.org/presentationml/2006/main">
   <p:cSld>
@@ -226,7 +334,7 @@
             <a:fld id="{85522811-C5C6-42D2-A409-F8556720C93F}" type="datetimeFigureOut">
               <a:rPr lang="uk-UA" smtClean="0"/>
               <a:pPr/>
-              <a:t>18.12.2020</a:t>
+              <a:t>16.04.2021</a:t>
             </a:fld>
             <a:endParaRPr lang="uk-UA"/>
           </a:p>
@@ -292,35 +400,35 @@
           <a:p>
             <a:pPr lvl="0"/>
             <a:r>
-              <a:rPr lang="ru-RU" smtClean="0"/>
+              <a:rPr lang="ru-RU"/>
               <a:t>Образец текста</a:t>
             </a:r>
           </a:p>
           <a:p>
             <a:pPr lvl="1"/>
             <a:r>
-              <a:rPr lang="ru-RU" smtClean="0"/>
+              <a:rPr lang="ru-RU"/>
               <a:t>Второй уровень</a:t>
             </a:r>
           </a:p>
           <a:p>
             <a:pPr lvl="2"/>
             <a:r>
-              <a:rPr lang="ru-RU" smtClean="0"/>
+              <a:rPr lang="ru-RU"/>
               <a:t>Третий уровень</a:t>
             </a:r>
           </a:p>
           <a:p>
             <a:pPr lvl="3"/>
             <a:r>
-              <a:rPr lang="ru-RU" smtClean="0"/>
+              <a:rPr lang="ru-RU"/>
               <a:t>Четвертый уровень</a:t>
             </a:r>
           </a:p>
           <a:p>
             <a:pPr lvl="4"/>
             <a:r>
-              <a:rPr lang="ru-RU" smtClean="0"/>
+              <a:rPr lang="ru-RU"/>
               <a:t>Пятый уровень</a:t>
             </a:r>
             <a:endParaRPr lang="uk-UA"/>
@@ -388,7 +496,7 @@
             <a:fld id="{B2668688-711B-4328-ACFB-54B46FA90133}" type="slidenum">
               <a:rPr lang="uk-UA" smtClean="0"/>
               <a:pPr/>
-              <a:t>‹#›</a:t>
+              <a:t>‹№›</a:t>
             </a:fld>
             <a:endParaRPr lang="uk-UA"/>
           </a:p>
@@ -627,7 +735,7 @@
           <a:lstStyle/>
           <a:p>
             <a:r>
-              <a:rPr lang="ru-RU" smtClean="0"/>
+              <a:rPr lang="ru-RU"/>
               <a:t>Образец заголовка</a:t>
             </a:r>
             <a:endParaRPr lang="uk-UA"/>
@@ -746,7 +854,7 @@
           </a:lstStyle>
           <a:p>
             <a:r>
-              <a:rPr lang="ru-RU" smtClean="0"/>
+              <a:rPr lang="ru-RU"/>
               <a:t>Образец подзаголовка</a:t>
             </a:r>
             <a:endParaRPr lang="uk-UA"/>
@@ -771,7 +879,7 @@
             <a:fld id="{0A2E6AC4-C3FE-4E70-88D1-136405B25267}" type="datetime1">
               <a:rPr lang="uk-UA" smtClean="0"/>
               <a:pPr/>
-              <a:t>18.12.2020</a:t>
+              <a:t>16.04.2021</a:t>
             </a:fld>
             <a:endParaRPr lang="uk-UA"/>
           </a:p>
@@ -814,7 +922,7 @@
             <a:fld id="{6389AA22-90B4-448C-8B6B-C699140D38B9}" type="slidenum">
               <a:rPr lang="uk-UA" smtClean="0"/>
               <a:pPr/>
-              <a:t>‹#›</a:t>
+              <a:t>‹№›</a:t>
             </a:fld>
             <a:endParaRPr lang="uk-UA"/>
           </a:p>
@@ -861,7 +969,7 @@
           <a:lstStyle/>
           <a:p>
             <a:r>
-              <a:rPr lang="ru-RU" smtClean="0"/>
+              <a:rPr lang="ru-RU"/>
               <a:t>Образец заголовка</a:t>
             </a:r>
             <a:endParaRPr lang="uk-UA"/>
@@ -885,35 +993,35 @@
           <a:p>
             <a:pPr lvl="0"/>
             <a:r>
-              <a:rPr lang="ru-RU" smtClean="0"/>
+              <a:rPr lang="ru-RU"/>
               <a:t>Образец текста</a:t>
             </a:r>
           </a:p>
           <a:p>
             <a:pPr lvl="1"/>
             <a:r>
-              <a:rPr lang="ru-RU" smtClean="0"/>
+              <a:rPr lang="ru-RU"/>
               <a:t>Второй уровень</a:t>
             </a:r>
           </a:p>
           <a:p>
             <a:pPr lvl="2"/>
             <a:r>
-              <a:rPr lang="ru-RU" smtClean="0"/>
+              <a:rPr lang="ru-RU"/>
               <a:t>Третий уровень</a:t>
             </a:r>
           </a:p>
           <a:p>
             <a:pPr lvl="3"/>
             <a:r>
-              <a:rPr lang="ru-RU" smtClean="0"/>
+              <a:rPr lang="ru-RU"/>
               <a:t>Четвертый уровень</a:t>
             </a:r>
           </a:p>
           <a:p>
             <a:pPr lvl="4"/>
             <a:r>
-              <a:rPr lang="ru-RU" smtClean="0"/>
+              <a:rPr lang="ru-RU"/>
               <a:t>Пятый уровень</a:t>
             </a:r>
             <a:endParaRPr lang="uk-UA"/>
@@ -938,7 +1046,7 @@
             <a:fld id="{B4D85949-5AE9-41F1-B18C-DA1006B0E8CC}" type="datetime1">
               <a:rPr lang="uk-UA" smtClean="0"/>
               <a:pPr/>
-              <a:t>18.12.2020</a:t>
+              <a:t>16.04.2021</a:t>
             </a:fld>
             <a:endParaRPr lang="uk-UA"/>
           </a:p>
@@ -981,7 +1089,7 @@
             <a:fld id="{6389AA22-90B4-448C-8B6B-C699140D38B9}" type="slidenum">
               <a:rPr lang="uk-UA" smtClean="0"/>
               <a:pPr/>
-              <a:t>‹#›</a:t>
+              <a:t>‹№›</a:t>
             </a:fld>
             <a:endParaRPr lang="uk-UA"/>
           </a:p>
@@ -1033,7 +1141,7 @@
           <a:lstStyle/>
           <a:p>
             <a:r>
-              <a:rPr lang="ru-RU" smtClean="0"/>
+              <a:rPr lang="ru-RU"/>
               <a:t>Образец заголовка</a:t>
             </a:r>
             <a:endParaRPr lang="uk-UA"/>
@@ -1062,35 +1170,35 @@
           <a:p>
             <a:pPr lvl="0"/>
             <a:r>
-              <a:rPr lang="ru-RU" smtClean="0"/>
+              <a:rPr lang="ru-RU"/>
               <a:t>Образец текста</a:t>
             </a:r>
           </a:p>
           <a:p>
             <a:pPr lvl="1"/>
             <a:r>
-              <a:rPr lang="ru-RU" smtClean="0"/>
+              <a:rPr lang="ru-RU"/>
               <a:t>Второй уровень</a:t>
             </a:r>
           </a:p>
           <a:p>
             <a:pPr lvl="2"/>
             <a:r>
-              <a:rPr lang="ru-RU" smtClean="0"/>
+              <a:rPr lang="ru-RU"/>
               <a:t>Третий уровень</a:t>
             </a:r>
           </a:p>
           <a:p>
             <a:pPr lvl="3"/>
             <a:r>
-              <a:rPr lang="ru-RU" smtClean="0"/>
+              <a:rPr lang="ru-RU"/>
               <a:t>Четвертый уровень</a:t>
             </a:r>
           </a:p>
           <a:p>
             <a:pPr lvl="4"/>
             <a:r>
-              <a:rPr lang="ru-RU" smtClean="0"/>
+              <a:rPr lang="ru-RU"/>
               <a:t>Пятый уровень</a:t>
             </a:r>
             <a:endParaRPr lang="uk-UA"/>
@@ -1115,7 +1223,7 @@
             <a:fld id="{B20C227C-94C5-4BA1-A89C-1C7570144B22}" type="datetime1">
               <a:rPr lang="uk-UA" smtClean="0"/>
               <a:pPr/>
-              <a:t>18.12.2020</a:t>
+              <a:t>16.04.2021</a:t>
             </a:fld>
             <a:endParaRPr lang="uk-UA"/>
           </a:p>
@@ -1158,7 +1266,7 @@
             <a:fld id="{6389AA22-90B4-448C-8B6B-C699140D38B9}" type="slidenum">
               <a:rPr lang="uk-UA" smtClean="0"/>
               <a:pPr/>
-              <a:t>‹#›</a:t>
+              <a:t>‹№›</a:t>
             </a:fld>
             <a:endParaRPr lang="uk-UA"/>
           </a:p>
@@ -1205,7 +1313,7 @@
           <a:lstStyle/>
           <a:p>
             <a:r>
-              <a:rPr lang="ru-RU" smtClean="0"/>
+              <a:rPr lang="ru-RU"/>
               <a:t>Образец заголовка</a:t>
             </a:r>
             <a:endParaRPr lang="uk-UA"/>
@@ -1229,35 +1337,35 @@
           <a:p>
             <a:pPr lvl="0"/>
             <a:r>
-              <a:rPr lang="ru-RU" smtClean="0"/>
+              <a:rPr lang="ru-RU"/>
               <a:t>Образец текста</a:t>
             </a:r>
           </a:p>
           <a:p>
             <a:pPr lvl="1"/>
             <a:r>
-              <a:rPr lang="ru-RU" smtClean="0"/>
+              <a:rPr lang="ru-RU"/>
               <a:t>Второй уровень</a:t>
             </a:r>
           </a:p>
           <a:p>
             <a:pPr lvl="2"/>
             <a:r>
-              <a:rPr lang="ru-RU" smtClean="0"/>
+              <a:rPr lang="ru-RU"/>
               <a:t>Третий уровень</a:t>
             </a:r>
           </a:p>
           <a:p>
             <a:pPr lvl="3"/>
             <a:r>
-              <a:rPr lang="ru-RU" smtClean="0"/>
+              <a:rPr lang="ru-RU"/>
               <a:t>Четвертый уровень</a:t>
             </a:r>
           </a:p>
           <a:p>
             <a:pPr lvl="4"/>
             <a:r>
-              <a:rPr lang="ru-RU" smtClean="0"/>
+              <a:rPr lang="ru-RU"/>
               <a:t>Пятый уровень</a:t>
             </a:r>
             <a:endParaRPr lang="uk-UA"/>
@@ -1282,7 +1390,7 @@
             <a:fld id="{68E2E168-B245-4D8D-8538-B29990DBF87B}" type="datetime1">
               <a:rPr lang="uk-UA" smtClean="0"/>
               <a:pPr/>
-              <a:t>18.12.2020</a:t>
+              <a:t>16.04.2021</a:t>
             </a:fld>
             <a:endParaRPr lang="uk-UA"/>
           </a:p>
@@ -1325,7 +1433,7 @@
             <a:fld id="{6389AA22-90B4-448C-8B6B-C699140D38B9}" type="slidenum">
               <a:rPr lang="uk-UA" smtClean="0"/>
               <a:pPr/>
-              <a:t>‹#›</a:t>
+              <a:t>‹№›</a:t>
             </a:fld>
             <a:endParaRPr lang="uk-UA"/>
           </a:p>
@@ -1381,7 +1489,7 @@
           </a:lstStyle>
           <a:p>
             <a:r>
-              <a:rPr lang="ru-RU" smtClean="0"/>
+              <a:rPr lang="ru-RU"/>
               <a:t>Образец заголовка</a:t>
             </a:r>
             <a:endParaRPr lang="uk-UA"/>
@@ -1501,7 +1609,7 @@
           <a:p>
             <a:pPr lvl="0"/>
             <a:r>
-              <a:rPr lang="ru-RU" smtClean="0"/>
+              <a:rPr lang="ru-RU"/>
               <a:t>Образец текста</a:t>
             </a:r>
           </a:p>
@@ -1525,7 +1633,7 @@
             <a:fld id="{356DAF6E-7007-4E61-B36E-794BF232B234}" type="datetime1">
               <a:rPr lang="uk-UA" smtClean="0"/>
               <a:pPr/>
-              <a:t>18.12.2020</a:t>
+              <a:t>16.04.2021</a:t>
             </a:fld>
             <a:endParaRPr lang="uk-UA"/>
           </a:p>
@@ -1568,7 +1676,7 @@
             <a:fld id="{6389AA22-90B4-448C-8B6B-C699140D38B9}" type="slidenum">
               <a:rPr lang="uk-UA" smtClean="0"/>
               <a:pPr/>
-              <a:t>‹#›</a:t>
+              <a:t>‹№›</a:t>
             </a:fld>
             <a:endParaRPr lang="uk-UA"/>
           </a:p>
@@ -1615,7 +1723,7 @@
           <a:lstStyle/>
           <a:p>
             <a:r>
-              <a:rPr lang="ru-RU" smtClean="0"/>
+              <a:rPr lang="ru-RU"/>
               <a:t>Образец заголовка</a:t>
             </a:r>
             <a:endParaRPr lang="uk-UA"/>
@@ -1672,35 +1780,35 @@
           <a:p>
             <a:pPr lvl="0"/>
             <a:r>
-              <a:rPr lang="ru-RU" smtClean="0"/>
+              <a:rPr lang="ru-RU"/>
               <a:t>Образец текста</a:t>
             </a:r>
           </a:p>
           <a:p>
             <a:pPr lvl="1"/>
             <a:r>
-              <a:rPr lang="ru-RU" smtClean="0"/>
+              <a:rPr lang="ru-RU"/>
               <a:t>Второй уровень</a:t>
             </a:r>
           </a:p>
           <a:p>
             <a:pPr lvl="2"/>
             <a:r>
-              <a:rPr lang="ru-RU" smtClean="0"/>
+              <a:rPr lang="ru-RU"/>
               <a:t>Третий уровень</a:t>
             </a:r>
           </a:p>
           <a:p>
             <a:pPr lvl="3"/>
             <a:r>
-              <a:rPr lang="ru-RU" smtClean="0"/>
+              <a:rPr lang="ru-RU"/>
               <a:t>Четвертый уровень</a:t>
             </a:r>
           </a:p>
           <a:p>
             <a:pPr lvl="4"/>
             <a:r>
-              <a:rPr lang="ru-RU" smtClean="0"/>
+              <a:rPr lang="ru-RU"/>
               <a:t>Пятый уровень</a:t>
             </a:r>
             <a:endParaRPr lang="uk-UA"/>
@@ -1757,35 +1865,35 @@
           <a:p>
             <a:pPr lvl="0"/>
             <a:r>
-              <a:rPr lang="ru-RU" smtClean="0"/>
+              <a:rPr lang="ru-RU"/>
               <a:t>Образец текста</a:t>
             </a:r>
           </a:p>
           <a:p>
             <a:pPr lvl="1"/>
             <a:r>
-              <a:rPr lang="ru-RU" smtClean="0"/>
+              <a:rPr lang="ru-RU"/>
               <a:t>Второй уровень</a:t>
             </a:r>
           </a:p>
           <a:p>
             <a:pPr lvl="2"/>
             <a:r>
-              <a:rPr lang="ru-RU" smtClean="0"/>
+              <a:rPr lang="ru-RU"/>
               <a:t>Третий уровень</a:t>
             </a:r>
           </a:p>
           <a:p>
             <a:pPr lvl="3"/>
             <a:r>
-              <a:rPr lang="ru-RU" smtClean="0"/>
+              <a:rPr lang="ru-RU"/>
               <a:t>Четвертый уровень</a:t>
             </a:r>
           </a:p>
           <a:p>
             <a:pPr lvl="4"/>
             <a:r>
-              <a:rPr lang="ru-RU" smtClean="0"/>
+              <a:rPr lang="ru-RU"/>
               <a:t>Пятый уровень</a:t>
             </a:r>
             <a:endParaRPr lang="uk-UA"/>
@@ -1810,7 +1918,7 @@
             <a:fld id="{4B2141DD-FE72-44AA-B946-B70892F1F5B7}" type="datetime1">
               <a:rPr lang="uk-UA" smtClean="0"/>
               <a:pPr/>
-              <a:t>18.12.2020</a:t>
+              <a:t>16.04.2021</a:t>
             </a:fld>
             <a:endParaRPr lang="uk-UA"/>
           </a:p>
@@ -1853,7 +1961,7 @@
             <a:fld id="{6389AA22-90B4-448C-8B6B-C699140D38B9}" type="slidenum">
               <a:rPr lang="uk-UA" smtClean="0"/>
               <a:pPr/>
-              <a:t>‹#›</a:t>
+              <a:t>‹№›</a:t>
             </a:fld>
             <a:endParaRPr lang="uk-UA"/>
           </a:p>
@@ -1904,7 +2012,7 @@
           </a:lstStyle>
           <a:p>
             <a:r>
-              <a:rPr lang="ru-RU" smtClean="0"/>
+              <a:rPr lang="ru-RU"/>
               <a:t>Образец заголовка</a:t>
             </a:r>
             <a:endParaRPr lang="uk-UA"/>
@@ -1970,7 +2078,7 @@
           <a:p>
             <a:pPr lvl="0"/>
             <a:r>
-              <a:rPr lang="ru-RU" smtClean="0"/>
+              <a:rPr lang="ru-RU"/>
               <a:t>Образец текста</a:t>
             </a:r>
           </a:p>
@@ -2026,35 +2134,35 @@
           <a:p>
             <a:pPr lvl="0"/>
             <a:r>
-              <a:rPr lang="ru-RU" smtClean="0"/>
+              <a:rPr lang="ru-RU"/>
               <a:t>Образец текста</a:t>
             </a:r>
           </a:p>
           <a:p>
             <a:pPr lvl="1"/>
             <a:r>
-              <a:rPr lang="ru-RU" smtClean="0"/>
+              <a:rPr lang="ru-RU"/>
               <a:t>Второй уровень</a:t>
             </a:r>
           </a:p>
           <a:p>
             <a:pPr lvl="2"/>
             <a:r>
-              <a:rPr lang="ru-RU" smtClean="0"/>
+              <a:rPr lang="ru-RU"/>
               <a:t>Третий уровень</a:t>
             </a:r>
           </a:p>
           <a:p>
             <a:pPr lvl="3"/>
             <a:r>
-              <a:rPr lang="ru-RU" smtClean="0"/>
+              <a:rPr lang="ru-RU"/>
               <a:t>Четвертый уровень</a:t>
             </a:r>
           </a:p>
           <a:p>
             <a:pPr lvl="4"/>
             <a:r>
-              <a:rPr lang="ru-RU" smtClean="0"/>
+              <a:rPr lang="ru-RU"/>
               <a:t>Пятый уровень</a:t>
             </a:r>
             <a:endParaRPr lang="uk-UA"/>
@@ -2120,7 +2228,7 @@
           <a:p>
             <a:pPr lvl="0"/>
             <a:r>
-              <a:rPr lang="ru-RU" smtClean="0"/>
+              <a:rPr lang="ru-RU"/>
               <a:t>Образец текста</a:t>
             </a:r>
           </a:p>
@@ -2176,35 +2284,35 @@
           <a:p>
             <a:pPr lvl="0"/>
             <a:r>
-              <a:rPr lang="ru-RU" smtClean="0"/>
+              <a:rPr lang="ru-RU"/>
               <a:t>Образец текста</a:t>
             </a:r>
           </a:p>
           <a:p>
             <a:pPr lvl="1"/>
             <a:r>
-              <a:rPr lang="ru-RU" smtClean="0"/>
+              <a:rPr lang="ru-RU"/>
               <a:t>Второй уровень</a:t>
             </a:r>
           </a:p>
           <a:p>
             <a:pPr lvl="2"/>
             <a:r>
-              <a:rPr lang="ru-RU" smtClean="0"/>
+              <a:rPr lang="ru-RU"/>
               <a:t>Третий уровень</a:t>
             </a:r>
           </a:p>
           <a:p>
             <a:pPr lvl="3"/>
             <a:r>
-              <a:rPr lang="ru-RU" smtClean="0"/>
+              <a:rPr lang="ru-RU"/>
               <a:t>Четвертый уровень</a:t>
             </a:r>
           </a:p>
           <a:p>
             <a:pPr lvl="4"/>
             <a:r>
-              <a:rPr lang="ru-RU" smtClean="0"/>
+              <a:rPr lang="ru-RU"/>
               <a:t>Пятый уровень</a:t>
             </a:r>
             <a:endParaRPr lang="uk-UA"/>
@@ -2229,7 +2337,7 @@
             <a:fld id="{D1C4DC7C-6CC4-4D1F-A21B-A650800E0532}" type="datetime1">
               <a:rPr lang="uk-UA" smtClean="0"/>
               <a:pPr/>
-              <a:t>18.12.2020</a:t>
+              <a:t>16.04.2021</a:t>
             </a:fld>
             <a:endParaRPr lang="uk-UA"/>
           </a:p>
@@ -2272,7 +2380,7 @@
             <a:fld id="{6389AA22-90B4-448C-8B6B-C699140D38B9}" type="slidenum">
               <a:rPr lang="uk-UA" smtClean="0"/>
               <a:pPr/>
-              <a:t>‹#›</a:t>
+              <a:t>‹№›</a:t>
             </a:fld>
             <a:endParaRPr lang="uk-UA"/>
           </a:p>
@@ -2319,7 +2427,7 @@
           <a:lstStyle/>
           <a:p>
             <a:r>
-              <a:rPr lang="ru-RU" smtClean="0"/>
+              <a:rPr lang="ru-RU"/>
               <a:t>Образец заголовка</a:t>
             </a:r>
             <a:endParaRPr lang="uk-UA"/>
@@ -2344,7 +2452,7 @@
             <a:fld id="{09E753FA-BE70-4E9D-A1A2-A798C2E22C2C}" type="datetime1">
               <a:rPr lang="uk-UA" smtClean="0"/>
               <a:pPr/>
-              <a:t>18.12.2020</a:t>
+              <a:t>16.04.2021</a:t>
             </a:fld>
             <a:endParaRPr lang="uk-UA"/>
           </a:p>
@@ -2387,7 +2495,7 @@
             <a:fld id="{6389AA22-90B4-448C-8B6B-C699140D38B9}" type="slidenum">
               <a:rPr lang="uk-UA" smtClean="0"/>
               <a:pPr/>
-              <a:t>‹#›</a:t>
+              <a:t>‹№›</a:t>
             </a:fld>
             <a:endParaRPr lang="uk-UA"/>
           </a:p>
@@ -2436,7 +2544,7 @@
             <a:fld id="{BC4E9D1B-A194-48C6-B5A1-4C29D0F81227}" type="datetime1">
               <a:rPr lang="uk-UA" smtClean="0"/>
               <a:pPr/>
-              <a:t>18.12.2020</a:t>
+              <a:t>16.04.2021</a:t>
             </a:fld>
             <a:endParaRPr lang="uk-UA"/>
           </a:p>
@@ -2479,7 +2587,7 @@
             <a:fld id="{6389AA22-90B4-448C-8B6B-C699140D38B9}" type="slidenum">
               <a:rPr lang="uk-UA" smtClean="0"/>
               <a:pPr/>
-              <a:t>‹#›</a:t>
+              <a:t>‹№›</a:t>
             </a:fld>
             <a:endParaRPr lang="uk-UA"/>
           </a:p>
@@ -2535,7 +2643,7 @@
           </a:lstStyle>
           <a:p>
             <a:r>
-              <a:rPr lang="ru-RU" smtClean="0"/>
+              <a:rPr lang="ru-RU"/>
               <a:t>Образец заголовка</a:t>
             </a:r>
             <a:endParaRPr lang="uk-UA"/>
@@ -2592,35 +2700,35 @@
           <a:p>
             <a:pPr lvl="0"/>
             <a:r>
-              <a:rPr lang="ru-RU" smtClean="0"/>
+              <a:rPr lang="ru-RU"/>
               <a:t>Образец текста</a:t>
             </a:r>
           </a:p>
           <a:p>
             <a:pPr lvl="1"/>
             <a:r>
-              <a:rPr lang="ru-RU" smtClean="0"/>
+              <a:rPr lang="ru-RU"/>
               <a:t>Второй уровень</a:t>
             </a:r>
           </a:p>
           <a:p>
             <a:pPr lvl="2"/>
             <a:r>
-              <a:rPr lang="ru-RU" smtClean="0"/>
+              <a:rPr lang="ru-RU"/>
               <a:t>Третий уровень</a:t>
             </a:r>
           </a:p>
           <a:p>
             <a:pPr lvl="3"/>
             <a:r>
-              <a:rPr lang="ru-RU" smtClean="0"/>
+              <a:rPr lang="ru-RU"/>
               <a:t>Четвертый уровень</a:t>
             </a:r>
           </a:p>
           <a:p>
             <a:pPr lvl="4"/>
             <a:r>
-              <a:rPr lang="ru-RU" smtClean="0"/>
+              <a:rPr lang="ru-RU"/>
               <a:t>Пятый уровень</a:t>
             </a:r>
             <a:endParaRPr lang="uk-UA"/>
@@ -2686,7 +2794,7 @@
           <a:p>
             <a:pPr lvl="0"/>
             <a:r>
-              <a:rPr lang="ru-RU" smtClean="0"/>
+              <a:rPr lang="ru-RU"/>
               <a:t>Образец текста</a:t>
             </a:r>
           </a:p>
@@ -2710,7 +2818,7 @@
             <a:fld id="{98DC5B78-3AEE-4E8C-84A2-DF8B252C6B7D}" type="datetime1">
               <a:rPr lang="uk-UA" smtClean="0"/>
               <a:pPr/>
-              <a:t>18.12.2020</a:t>
+              <a:t>16.04.2021</a:t>
             </a:fld>
             <a:endParaRPr lang="uk-UA"/>
           </a:p>
@@ -2753,7 +2861,7 @@
             <a:fld id="{6389AA22-90B4-448C-8B6B-C699140D38B9}" type="slidenum">
               <a:rPr lang="uk-UA" smtClean="0"/>
               <a:pPr/>
-              <a:t>‹#›</a:t>
+              <a:t>‹№›</a:t>
             </a:fld>
             <a:endParaRPr lang="uk-UA"/>
           </a:p>
@@ -2809,7 +2917,7 @@
           </a:lstStyle>
           <a:p>
             <a:r>
-              <a:rPr lang="ru-RU" smtClean="0"/>
+              <a:rPr lang="ru-RU"/>
               <a:t>Образец заголовка</a:t>
             </a:r>
             <a:endParaRPr lang="uk-UA"/>
@@ -2936,7 +3044,7 @@
           <a:p>
             <a:pPr lvl="0"/>
             <a:r>
-              <a:rPr lang="ru-RU" smtClean="0"/>
+              <a:rPr lang="ru-RU"/>
               <a:t>Образец текста</a:t>
             </a:r>
           </a:p>
@@ -2960,7 +3068,7 @@
             <a:fld id="{08E6AC05-7690-4D29-B090-15CFA8055B58}" type="datetime1">
               <a:rPr lang="uk-UA" smtClean="0"/>
               <a:pPr/>
-              <a:t>18.12.2020</a:t>
+              <a:t>16.04.2021</a:t>
             </a:fld>
             <a:endParaRPr lang="uk-UA"/>
           </a:p>
@@ -3003,7 +3111,7 @@
             <a:fld id="{6389AA22-90B4-448C-8B6B-C699140D38B9}" type="slidenum">
               <a:rPr lang="uk-UA" smtClean="0"/>
               <a:pPr/>
-              <a:t>‹#›</a:t>
+              <a:t>‹№›</a:t>
             </a:fld>
             <a:endParaRPr lang="uk-UA"/>
           </a:p>
@@ -3065,7 +3173,7 @@
           <a:lstStyle/>
           <a:p>
             <a:r>
-              <a:rPr lang="ru-RU" smtClean="0"/>
+              <a:rPr lang="ru-RU"/>
               <a:t>Образец заголовка</a:t>
             </a:r>
             <a:endParaRPr lang="uk-UA"/>
@@ -3099,35 +3207,35 @@
           <a:p>
             <a:pPr lvl="0"/>
             <a:r>
-              <a:rPr lang="ru-RU" smtClean="0"/>
+              <a:rPr lang="ru-RU"/>
               <a:t>Образец текста</a:t>
             </a:r>
           </a:p>
           <a:p>
             <a:pPr lvl="1"/>
             <a:r>
-              <a:rPr lang="ru-RU" smtClean="0"/>
+              <a:rPr lang="ru-RU"/>
               <a:t>Второй уровень</a:t>
             </a:r>
           </a:p>
           <a:p>
             <a:pPr lvl="2"/>
             <a:r>
-              <a:rPr lang="ru-RU" smtClean="0"/>
+              <a:rPr lang="ru-RU"/>
               <a:t>Третий уровень</a:t>
             </a:r>
           </a:p>
           <a:p>
             <a:pPr lvl="3"/>
             <a:r>
-              <a:rPr lang="ru-RU" smtClean="0"/>
+              <a:rPr lang="ru-RU"/>
               <a:t>Четвертый уровень</a:t>
             </a:r>
           </a:p>
           <a:p>
             <a:pPr lvl="4"/>
             <a:r>
-              <a:rPr lang="ru-RU" smtClean="0"/>
+              <a:rPr lang="ru-RU"/>
               <a:t>Пятый уровень</a:t>
             </a:r>
             <a:endParaRPr lang="uk-UA"/>
@@ -3170,7 +3278,7 @@
             <a:fld id="{C4778AB5-85A2-4D58-9351-A198925B541D}" type="datetime1">
               <a:rPr lang="uk-UA" smtClean="0"/>
               <a:pPr/>
-              <a:t>18.12.2020</a:t>
+              <a:t>16.04.2021</a:t>
             </a:fld>
             <a:endParaRPr lang="uk-UA"/>
           </a:p>
@@ -3249,7 +3357,7 @@
             <a:fld id="{6389AA22-90B4-448C-8B6B-C699140D38B9}" type="slidenum">
               <a:rPr lang="uk-UA" smtClean="0"/>
               <a:pPr/>
-              <a:t>‹#›</a:t>
+              <a:t>‹№›</a:t>
             </a:fld>
             <a:endParaRPr lang="uk-UA"/>
           </a:p>
@@ -3580,7 +3688,7 @@
           <a:p>
             <a:pPr algn="ctr"/>
             <a:r>
-              <a:rPr lang="en-US" sz="4400" b="1" dirty="0" smtClean="0">
+              <a:rPr lang="en-US" sz="4400" b="1" dirty="0">
                 <a:solidFill>
                   <a:srgbClr val="FFFF00"/>
                 </a:solidFill>
@@ -3589,7 +3697,7 @@
               <a:t>J</a:t>
             </a:r>
             <a:r>
-              <a:rPr lang="en-US" sz="4400" b="1" dirty="0" smtClean="0">
+              <a:rPr lang="en-US" sz="4400" b="1" dirty="0">
                 <a:solidFill>
                   <a:schemeClr val="bg1"/>
                 </a:solidFill>
@@ -3598,7 +3706,7 @@
               <a:t>ava</a:t>
             </a:r>
             <a:r>
-              <a:rPr lang="en-US" sz="4400" b="1" dirty="0" smtClean="0">
+              <a:rPr lang="en-US" sz="4400" b="1" dirty="0">
                 <a:solidFill>
                   <a:srgbClr val="FFFF00"/>
                 </a:solidFill>
@@ -3607,7 +3715,7 @@
               <a:t>S</a:t>
             </a:r>
             <a:r>
-              <a:rPr lang="en-US" sz="4400" b="1" dirty="0" smtClean="0">
+              <a:rPr lang="en-US" sz="4400" b="1" dirty="0">
                 <a:solidFill>
                   <a:schemeClr val="bg1"/>
                 </a:solidFill>
@@ -3616,7 +3724,7 @@
               <a:t>cript: </a:t>
             </a:r>
             <a:r>
-              <a:rPr lang="ru-RU" sz="4400" b="1" dirty="0" smtClean="0">
+              <a:rPr lang="ru-RU" sz="4400" b="1" dirty="0">
                 <a:solidFill>
                   <a:schemeClr val="bg1"/>
                 </a:solidFill>
@@ -3750,7 +3858,7 @@
           <a:p>
             <a:pPr algn="ctr" fontAlgn="base"/>
             <a:r>
-              <a:rPr lang="en-US" sz="3200" b="1" dirty="0" smtClean="0">
+              <a:rPr lang="en-US" sz="3200" b="1" dirty="0">
                 <a:solidFill>
                   <a:schemeClr val="bg1"/>
                 </a:solidFill>
@@ -3759,7 +3867,7 @@
               <a:t>ORT</a:t>
             </a:r>
             <a:r>
-              <a:rPr lang="en-US" sz="3200" b="1" dirty="0" smtClean="0">
+              <a:rPr lang="en-US" sz="3200" b="1" dirty="0">
                 <a:solidFill>
                   <a:srgbClr val="FFC000"/>
                 </a:solidFill>
@@ -3768,7 +3876,7 @@
               <a:t>DNIPRO</a:t>
             </a:r>
             <a:r>
-              <a:rPr lang="en-US" sz="3200" b="1" dirty="0" smtClean="0">
+              <a:rPr lang="en-US" sz="3200" b="1" dirty="0">
                 <a:solidFill>
                   <a:schemeClr val="bg1"/>
                 </a:solidFill>
@@ -3777,7 +3885,7 @@
               <a:t>.ORG</a:t>
             </a:r>
             <a:r>
-              <a:rPr lang="en-US" sz="3200" b="1" dirty="0" smtClean="0">
+              <a:rPr lang="en-US" sz="3200" b="1" dirty="0">
                 <a:solidFill>
                   <a:srgbClr val="FFC000"/>
                 </a:solidFill>
@@ -3804,13 +3912,6 @@
   <p:clrMapOvr>
     <a:masterClrMapping/>
   </p:clrMapOvr>
-  <p:timing>
-    <p:tnLst>
-      <p:par>
-        <p:cTn id="1" dur="indefinite" restart="never" nodeType="tmRoot"/>
-      </p:par>
-    </p:tnLst>
-  </p:timing>
 </p:sld>
 </file>
 
@@ -3873,7 +3974,7 @@
           <a:p>
             <a:pPr algn="ctr"/>
             <a:r>
-              <a:rPr lang="ru-RU" sz="7200" b="1" dirty="0" smtClean="0"/>
+              <a:rPr lang="ru-RU" sz="7200" b="1" dirty="0"/>
               <a:t>2. Функции и события</a:t>
             </a:r>
             <a:endParaRPr lang="uk-UA" sz="7200" b="1" dirty="0"/>
@@ -3890,13 +3991,6 @@
   <p:clrMapOvr>
     <a:masterClrMapping/>
   </p:clrMapOvr>
-  <p:timing>
-    <p:tnLst>
-      <p:par>
-        <p:cTn id="1" dur="indefinite" restart="never" nodeType="tmRoot"/>
-      </p:par>
-    </p:tnLst>
-  </p:timing>
 </p:sld>
 </file>
 
@@ -3940,10 +4034,9 @@
           <a:lstStyle/>
           <a:p>
             <a:r>
-              <a:rPr lang="ru-RU" sz="4000" b="1" dirty="0" smtClean="0"/>
+              <a:rPr lang="ru-RU" sz="4000" b="1" dirty="0"/>
               <a:t>Функции и события</a:t>
             </a:r>
-            <a:endParaRPr lang="ru-RU" sz="4000" b="1" dirty="0"/>
           </a:p>
         </p:txBody>
       </p:sp>
@@ -4040,43 +4133,43 @@
           <a:lstStyle/>
           <a:p>
             <a:r>
-              <a:rPr lang="ru-RU" sz="2000" b="1" dirty="0" smtClean="0"/>
+              <a:rPr lang="ru-RU" sz="2000" b="1" dirty="0"/>
               <a:t>Функции</a:t>
             </a:r>
             <a:r>
-              <a:rPr lang="ru-RU" sz="2000" dirty="0" smtClean="0"/>
+              <a:rPr lang="ru-RU" sz="2000" dirty="0"/>
               <a:t> используются в </a:t>
             </a:r>
             <a:r>
-              <a:rPr lang="ru-RU" sz="2000" b="1" dirty="0" smtClean="0"/>
+              <a:rPr lang="ru-RU" sz="2000" b="1" dirty="0"/>
               <a:t>событийной модели </a:t>
             </a:r>
             <a:r>
-              <a:rPr lang="ru-RU" sz="2000" dirty="0" smtClean="0"/>
+              <a:rPr lang="ru-RU" sz="2000" dirty="0"/>
               <a:t>управления. Поскольку функция это в первую очередь «заготовка» кода, то их удобно использовать для </a:t>
             </a:r>
             <a:r>
-              <a:rPr lang="ru-RU" sz="2000" b="1" dirty="0" smtClean="0"/>
+              <a:rPr lang="ru-RU" sz="2000" b="1" dirty="0"/>
               <a:t>подписки</a:t>
             </a:r>
             <a:r>
-              <a:rPr lang="ru-RU" sz="2000" dirty="0" smtClean="0"/>
+              <a:rPr lang="ru-RU" sz="2000" dirty="0"/>
               <a:t> </a:t>
             </a:r>
             <a:r>
-              <a:rPr lang="ru-RU" sz="2000" b="1" dirty="0" smtClean="0"/>
+              <a:rPr lang="ru-RU" sz="2000" b="1" dirty="0"/>
               <a:t>на</a:t>
             </a:r>
             <a:r>
-              <a:rPr lang="ru-RU" sz="2000" dirty="0" smtClean="0"/>
+              <a:rPr lang="ru-RU" sz="2000" dirty="0"/>
               <a:t> </a:t>
             </a:r>
             <a:r>
-              <a:rPr lang="ru-RU" sz="2000" b="1" dirty="0" smtClean="0"/>
+              <a:rPr lang="ru-RU" sz="2000" b="1" dirty="0"/>
               <a:t>события</a:t>
             </a:r>
             <a:r>
-              <a:rPr lang="ru-RU" sz="2000" dirty="0" smtClean="0"/>
+              <a:rPr lang="ru-RU" sz="2000" dirty="0"/>
               <a:t>. Мы определяем функцию и «сообщаем» браузеру когда она должна быть вызвана </a:t>
             </a:r>
             <a:r>
@@ -4085,45 +4178,40 @@
             </a:r>
             <a:r>
               <a:rPr lang="ru-RU" sz="2000" dirty="0"/>
-              <a:t>например, при помощи </a:t>
-            </a:r>
-            <a:r>
-              <a:rPr lang="ru-RU" sz="2000" dirty="0" smtClean="0"/>
-              <a:t>атрибутов тегов:</a:t>
-            </a:r>
-            <a:r>
-              <a:rPr lang="en-US" sz="2000" dirty="0" smtClean="0"/>
+              <a:t>например, при помощи атрибутов тегов:</a:t>
+            </a:r>
+            <a:r>
+              <a:rPr lang="en-US" sz="2000" dirty="0"/>
               <a:t> </a:t>
             </a:r>
             <a:r>
-              <a:rPr lang="en-US" sz="2000" b="1" dirty="0" err="1" smtClean="0"/>
+              <a:rPr lang="en-US" sz="2000" b="1" dirty="0" err="1"/>
               <a:t>onclick</a:t>
             </a:r>
             <a:r>
-              <a:rPr lang="en-US" sz="2000" dirty="0" smtClean="0"/>
+              <a:rPr lang="en-US" sz="2000" dirty="0"/>
               <a:t>, </a:t>
             </a:r>
             <a:r>
-              <a:rPr lang="en-US" sz="2000" b="1" dirty="0" err="1" smtClean="0"/>
+              <a:rPr lang="en-US" sz="2000" b="1" dirty="0" err="1"/>
               <a:t>onmouseenter</a:t>
             </a:r>
             <a:r>
-              <a:rPr lang="en-US" sz="2000" dirty="0" smtClean="0"/>
+              <a:rPr lang="en-US" sz="2000" dirty="0"/>
               <a:t> </a:t>
             </a:r>
             <a:r>
-              <a:rPr lang="ru-RU" sz="2000" dirty="0" smtClean="0"/>
+              <a:rPr lang="ru-RU" sz="2000" dirty="0"/>
               <a:t>и т.д.</a:t>
             </a:r>
             <a:r>
-              <a:rPr lang="en-US" sz="2000" dirty="0" smtClean="0"/>
+              <a:rPr lang="en-US" sz="2000" dirty="0"/>
               <a:t>)</a:t>
             </a:r>
             <a:r>
-              <a:rPr lang="ru-RU" sz="2000" dirty="0" smtClean="0"/>
+              <a:rPr lang="ru-RU" sz="2000" dirty="0"/>
               <a:t>.  </a:t>
             </a:r>
-            <a:endParaRPr lang="ru-RU" sz="2000" dirty="0"/>
           </a:p>
         </p:txBody>
       </p:sp>
@@ -4227,13 +4315,7 @@
               <a:rPr lang="ru-RU" sz="2400" b="1" dirty="0">
                 <a:hlinkClick r:id="rId4"/>
               </a:rPr>
-              <a:t>https://</a:t>
-            </a:r>
-            <a:r>
-              <a:rPr lang="ru-RU" sz="2400" b="1" dirty="0" smtClean="0">
-                <a:hlinkClick r:id="rId4"/>
-              </a:rPr>
-              <a:t>html5css.ru/jsref/dom_obj_event.php</a:t>
+              <a:t>https://html5css.ru/jsref/dom_obj_event.php</a:t>
             </a:r>
             <a:endParaRPr lang="ru-RU" sz="2400" b="1" dirty="0"/>
           </a:p>
@@ -4249,13 +4331,6 @@
   <p:clrMapOvr>
     <a:masterClrMapping/>
   </p:clrMapOvr>
-  <p:timing>
-    <p:tnLst>
-      <p:par>
-        <p:cTn id="1" dur="indefinite" restart="never" nodeType="tmRoot"/>
-      </p:par>
-    </p:tnLst>
-  </p:timing>
 </p:sld>
 </file>
 
@@ -4318,7 +4393,7 @@
           <a:p>
             <a:pPr algn="ctr"/>
             <a:r>
-              <a:rPr lang="ru-RU" sz="7200" b="1" dirty="0" smtClean="0"/>
+              <a:rPr lang="ru-RU" sz="7200" b="1" dirty="0"/>
               <a:t>3. Обращение к тегу</a:t>
             </a:r>
             <a:endParaRPr lang="uk-UA" sz="7200" b="1" dirty="0"/>
@@ -4335,13 +4410,6 @@
   <p:clrMapOvr>
     <a:masterClrMapping/>
   </p:clrMapOvr>
-  <p:timing>
-    <p:tnLst>
-      <p:par>
-        <p:cTn id="1" dur="indefinite" restart="never" nodeType="tmRoot"/>
-      </p:par>
-    </p:tnLst>
-  </p:timing>
 </p:sld>
 </file>
 
@@ -4385,10 +4453,9 @@
           <a:lstStyle/>
           <a:p>
             <a:r>
-              <a:rPr lang="ru-RU" sz="4000" b="1" dirty="0" smtClean="0"/>
+              <a:rPr lang="ru-RU" sz="4000" b="1" dirty="0"/>
               <a:t>Обращение к тегу и работа с его данными</a:t>
             </a:r>
-            <a:endParaRPr lang="ru-RU" sz="4000" b="1" dirty="0"/>
           </a:p>
         </p:txBody>
       </p:sp>
@@ -4485,95 +4552,95 @@
           <a:lstStyle/>
           <a:p>
             <a:r>
-              <a:rPr lang="ru-RU" sz="2400" dirty="0" smtClean="0"/>
+              <a:rPr lang="ru-RU" sz="2400" dirty="0"/>
               <a:t>Самый простой способ обратится к тегу – по его </a:t>
             </a:r>
             <a:r>
-              <a:rPr lang="en-US" sz="2400" b="1" dirty="0" smtClean="0"/>
+              <a:rPr lang="en-US" sz="2400" b="1" dirty="0"/>
               <a:t>id</a:t>
             </a:r>
             <a:r>
-              <a:rPr lang="en-US" sz="2400" dirty="0" smtClean="0"/>
+              <a:rPr lang="en-US" sz="2400" dirty="0"/>
               <a:t>. </a:t>
             </a:r>
             <a:r>
-              <a:rPr lang="ru-RU" sz="2400" dirty="0" smtClean="0"/>
+              <a:rPr lang="ru-RU" sz="2400" dirty="0"/>
               <a:t>Для тегов</a:t>
             </a:r>
             <a:r>
-              <a:rPr lang="en-US" sz="2400" dirty="0" smtClean="0"/>
+              <a:rPr lang="en-US" sz="2400" dirty="0"/>
               <a:t> c </a:t>
             </a:r>
             <a:r>
-              <a:rPr lang="ru-RU" sz="2400" b="1" dirty="0" smtClean="0"/>
+              <a:rPr lang="ru-RU" sz="2400" b="1" dirty="0"/>
               <a:t>атрибутом</a:t>
             </a:r>
             <a:r>
-              <a:rPr lang="ru-RU" sz="2400" dirty="0" smtClean="0"/>
+              <a:rPr lang="ru-RU" sz="2400" dirty="0"/>
               <a:t> </a:t>
             </a:r>
             <a:r>
-              <a:rPr lang="en-US" sz="2400" b="1" dirty="0" smtClean="0"/>
+              <a:rPr lang="en-US" sz="2400" b="1" dirty="0"/>
               <a:t>id</a:t>
             </a:r>
             <a:r>
-              <a:rPr lang="ru-RU" sz="2400" dirty="0" smtClean="0"/>
+              <a:rPr lang="ru-RU" sz="2400" dirty="0"/>
               <a:t> браузер создаёт переменную через которую у нас есть доступ к объекту-тегу. Для того, чтобы получить доступ к содержимому тега мы можем воспользоваться его свойством </a:t>
             </a:r>
             <a:r>
-              <a:rPr lang="en-US" sz="2400" b="1" dirty="0" smtClean="0"/>
+              <a:rPr lang="en-US" sz="2400" b="1" dirty="0"/>
               <a:t>.</a:t>
             </a:r>
             <a:r>
-              <a:rPr lang="en-US" sz="2400" b="1" dirty="0" err="1" smtClean="0"/>
+              <a:rPr lang="en-US" sz="2400" b="1" dirty="0" err="1"/>
               <a:t>innerHTML</a:t>
             </a:r>
             <a:r>
-              <a:rPr lang="en-US" sz="2400" dirty="0" smtClean="0"/>
+              <a:rPr lang="en-US" sz="2400" dirty="0"/>
               <a:t>.  </a:t>
             </a:r>
             <a:r>
-              <a:rPr lang="ru-RU" sz="2400" dirty="0" smtClean="0"/>
+              <a:rPr lang="ru-RU" sz="2400" dirty="0"/>
               <a:t>Для элементов ввода (</a:t>
             </a:r>
             <a:r>
-              <a:rPr lang="en-US" sz="2400" b="1" dirty="0" smtClean="0"/>
+              <a:rPr lang="en-US" sz="2400" b="1" dirty="0"/>
               <a:t>input</a:t>
             </a:r>
             <a:r>
-              <a:rPr lang="ru-RU" sz="2400" dirty="0" smtClean="0"/>
+              <a:rPr lang="ru-RU" sz="2400" dirty="0"/>
               <a:t>) используется свойство </a:t>
             </a:r>
             <a:r>
-              <a:rPr lang="en-US" sz="2400" b="1" dirty="0" smtClean="0"/>
+              <a:rPr lang="en-US" sz="2400" b="1" dirty="0"/>
               <a:t>.value </a:t>
             </a:r>
             <a:r>
-              <a:rPr lang="en-US" sz="2400" dirty="0" smtClean="0"/>
+              <a:rPr lang="en-US" sz="2400" dirty="0"/>
               <a:t>(</a:t>
             </a:r>
             <a:r>
-              <a:rPr lang="ru-RU" sz="2400" dirty="0" smtClean="0"/>
+              <a:rPr lang="ru-RU" sz="2400" dirty="0"/>
               <a:t>для элементов ввода типа </a:t>
             </a:r>
             <a:r>
-              <a:rPr lang="en-US" sz="2400" b="1" dirty="0" smtClean="0"/>
+              <a:rPr lang="en-US" sz="2400" b="1" dirty="0"/>
               <a:t>checkbox</a:t>
             </a:r>
             <a:r>
-              <a:rPr lang="en-US" sz="2400" dirty="0" smtClean="0"/>
+              <a:rPr lang="en-US" sz="2400" dirty="0"/>
               <a:t> </a:t>
             </a:r>
             <a:r>
-              <a:rPr lang="ru-RU" sz="2400" dirty="0" smtClean="0"/>
+              <a:rPr lang="ru-RU" sz="2400" dirty="0"/>
               <a:t>используется свойство </a:t>
             </a:r>
             <a:r>
-              <a:rPr lang="en-US" sz="2400" b="1" dirty="0" smtClean="0"/>
+              <a:rPr lang="en-US" sz="2400" b="1" dirty="0"/>
               <a:t>.checked</a:t>
             </a:r>
             <a:r>
-              <a:rPr lang="en-US" sz="2400" dirty="0" smtClean="0"/>
+              <a:rPr lang="en-US" sz="2400" dirty="0"/>
               <a:t>).</a:t>
             </a:r>
             <a:endParaRPr lang="ru-RU" sz="2400" dirty="0"/>
@@ -4624,13 +4691,6 @@
   <p:clrMapOvr>
     <a:masterClrMapping/>
   </p:clrMapOvr>
-  <p:timing>
-    <p:tnLst>
-      <p:par>
-        <p:cTn id="1" dur="indefinite" restart="never" nodeType="tmRoot"/>
-      </p:par>
-    </p:tnLst>
-  </p:timing>
 </p:sld>
 </file>
 
@@ -4693,7 +4753,7 @@
           <a:p>
             <a:pPr algn="ctr"/>
             <a:r>
-              <a:rPr lang="ru-RU" sz="7200" b="1" dirty="0" smtClean="0"/>
+              <a:rPr lang="ru-RU" sz="7200" b="1" dirty="0"/>
               <a:t>4. Немного практики</a:t>
             </a:r>
             <a:endParaRPr lang="uk-UA" sz="7200" b="1" dirty="0"/>
@@ -4710,13 +4770,6 @@
   <p:clrMapOvr>
     <a:masterClrMapping/>
   </p:clrMapOvr>
-  <p:timing>
-    <p:tnLst>
-      <p:par>
-        <p:cTn id="1" dur="indefinite" restart="never" nodeType="tmRoot"/>
-      </p:par>
-    </p:tnLst>
-  </p:timing>
 </p:sld>
 </file>
 
@@ -4761,25 +4814,16 @@
           <a:p>
             <a:r>
               <a:rPr lang="ru-RU" sz="3600" b="1" dirty="0"/>
-              <a:t>Депозитный </a:t>
-            </a:r>
-            <a:r>
-              <a:rPr lang="ru-RU" sz="3600" b="1" dirty="0" smtClean="0"/>
-              <a:t>калькулятор </a:t>
-            </a:r>
-            <a:r>
-              <a:rPr lang="ru-RU" sz="3600" b="1" dirty="0" smtClean="0">
+              <a:t>Депозитный калькулятор </a:t>
+            </a:r>
+            <a:r>
+              <a:rPr lang="ru-RU" sz="3600" b="1" dirty="0">
                 <a:solidFill>
                   <a:srgbClr val="00B050"/>
                 </a:solidFill>
               </a:rPr>
               <a:t>с разметкой</a:t>
             </a:r>
-            <a:endParaRPr lang="ru-RU" sz="3600" b="1" dirty="0">
-              <a:solidFill>
-                <a:srgbClr val="00B050"/>
-              </a:solidFill>
-            </a:endParaRPr>
           </a:p>
         </p:txBody>
       </p:sp>
@@ -4908,50 +4952,34 @@
               <a:t>). </a:t>
             </a:r>
             <a:r>
-              <a:rPr lang="ru-RU" sz="2800" b="1" dirty="0" smtClean="0"/>
+              <a:rPr lang="ru-RU" sz="2800" b="1" dirty="0"/>
               <a:t>Считать</a:t>
             </a:r>
             <a:r>
               <a:rPr lang="ru-RU" sz="2800" dirty="0"/>
-              <a:t>, что расчёт процентов выполняется </a:t>
-            </a:r>
-            <a:r>
-              <a:rPr lang="ru-RU" sz="2800" dirty="0" smtClean="0"/>
-              <a:t>помесячно</a:t>
-            </a:r>
-            <a:r>
-              <a:rPr lang="en-US" sz="2800" dirty="0" smtClean="0"/>
+              <a:t>, что расчёт процентов выполняется помесячно</a:t>
+            </a:r>
+            <a:r>
+              <a:rPr lang="en-US" sz="2800" dirty="0"/>
               <a:t> (</a:t>
             </a:r>
             <a:r>
-              <a:rPr lang="ru-RU" sz="2800" dirty="0" smtClean="0"/>
+              <a:rPr lang="ru-RU" sz="2800" dirty="0"/>
               <a:t>и их капитализация</a:t>
             </a:r>
             <a:r>
-              <a:rPr lang="en-US" sz="2800" dirty="0" smtClean="0"/>
+              <a:rPr lang="en-US" sz="2800" dirty="0"/>
               <a:t>)</a:t>
             </a:r>
             <a:r>
-              <a:rPr lang="ru-RU" sz="2800" dirty="0" smtClean="0"/>
-              <a:t> </a:t>
-            </a:r>
-            <a:r>
               <a:rPr lang="ru-RU" sz="2800" dirty="0"/>
-              <a:t>без влияния количества дней в месяце, также не </a:t>
-            </a:r>
-            <a:r>
-              <a:rPr lang="ru-RU" sz="2800" dirty="0" smtClean="0"/>
-              <a:t>учитываем </a:t>
-            </a:r>
-            <a:r>
-              <a:rPr lang="ru-RU" sz="2800" dirty="0"/>
-              <a:t>налоги. </a:t>
-            </a:r>
-          </a:p>
-        </p:txBody>
-      </p:sp>
-      <mc:AlternateContent xmlns:mc="http://schemas.openxmlformats.org/markup-compatibility/2006">
-        <mc:Choice xmlns:a14="http://schemas.microsoft.com/office/drawing/2010/main" Requires="a14">
+              <a:t> без влияния количества дней в месяце, также не учитываем налоги. </a:t>
+            </a:r>
+          </a:p>
+        </p:txBody>
+      </p:sp>
+      <mc:AlternateContent xmlns:mc="http://schemas.openxmlformats.org/markup-compatibility/2006" xmlns:a14="http://schemas.microsoft.com/office/drawing/2010/main">
+        <mc:Choice Requires="a14">
           <p:sp>
             <p:nvSpPr>
               <p:cNvPr id="4" name="Прямоугольник 3"/>
@@ -5085,7 +5113,7 @@
             </p:txBody>
           </p:sp>
         </mc:Choice>
-        <mc:Fallback>
+        <mc:Fallback xmlns="">
           <p:sp>
             <p:nvSpPr>
               <p:cNvPr id="4" name="Прямоугольник 3"/>
@@ -5147,10 +5175,9 @@
           <a:lstStyle/>
           <a:p>
             <a:r>
-              <a:rPr lang="ru-RU" sz="2400" i="1" dirty="0" smtClean="0"/>
+              <a:rPr lang="ru-RU" sz="2400" i="1" dirty="0"/>
               <a:t>Формула капитализации:</a:t>
             </a:r>
-            <a:endParaRPr lang="ru-RU" sz="2400" i="1" dirty="0"/>
           </a:p>
         </p:txBody>
       </p:sp>
@@ -5177,26 +5204,25 @@
           <a:lstStyle/>
           <a:p>
             <a:r>
-              <a:rPr lang="ru-RU" i="1" smtClean="0"/>
+              <a:rPr lang="ru-RU" i="1"/>
               <a:t>где</a:t>
             </a:r>
             <a:r>
-              <a:rPr lang="ru-RU" b="1" i="1" smtClean="0"/>
+              <a:rPr lang="ru-RU" b="1" i="1"/>
               <a:t> </a:t>
             </a:r>
             <a:r>
-              <a:rPr lang="en-US" b="1" i="1" dirty="0" smtClean="0"/>
+              <a:rPr lang="en-US" b="1" i="1" dirty="0"/>
               <a:t>Rate</a:t>
             </a:r>
             <a:r>
-              <a:rPr lang="en-US" i="1" dirty="0" smtClean="0"/>
+              <a:rPr lang="en-US" i="1" dirty="0"/>
               <a:t> – </a:t>
             </a:r>
             <a:r>
-              <a:rPr lang="ru-RU" i="1" dirty="0" smtClean="0"/>
+              <a:rPr lang="ru-RU" i="1" dirty="0"/>
               <a:t>процентная ставка за период капитализации (в нашем случае за месяц.)</a:t>
             </a:r>
-            <a:endParaRPr lang="ru-RU" i="1" dirty="0"/>
           </a:p>
         </p:txBody>
       </p:sp>
@@ -5210,13 +5236,6 @@
   <p:clrMapOvr>
     <a:masterClrMapping/>
   </p:clrMapOvr>
-  <p:timing>
-    <p:tnLst>
-      <p:par>
-        <p:cTn id="1" dur="indefinite" restart="never" nodeType="tmRoot"/>
-      </p:par>
-    </p:tnLst>
-  </p:timing>
 </p:sld>
 </file>
 
@@ -5260,10 +5279,9 @@
           <a:lstStyle/>
           <a:p>
             <a:r>
-              <a:rPr lang="ru-RU" sz="3600" b="1" dirty="0" smtClean="0"/>
+              <a:rPr lang="ru-RU" sz="3600" b="1" dirty="0"/>
               <a:t>Депозитный калькулятор, с разметкой</a:t>
             </a:r>
-            <a:endParaRPr lang="ru-RU" sz="3600" b="1" dirty="0"/>
           </a:p>
         </p:txBody>
       </p:sp>
@@ -5359,19 +5377,19 @@
           <a:lstStyle/>
           <a:p>
             <a:r>
-              <a:rPr lang="ru-RU" sz="2400" b="1" dirty="0" smtClean="0"/>
+              <a:rPr lang="ru-RU" sz="2400" b="1" dirty="0"/>
               <a:t>В </a:t>
             </a:r>
             <a:r>
-              <a:rPr lang="ru-RU" sz="2400" b="1" dirty="0" err="1" smtClean="0"/>
+              <a:rPr lang="ru-RU" sz="2400" b="1" dirty="0" err="1"/>
               <a:t>репозитории</a:t>
             </a:r>
             <a:r>
-              <a:rPr lang="ru-RU" sz="2400" b="1" dirty="0" smtClean="0"/>
+              <a:rPr lang="ru-RU" sz="2400" b="1" dirty="0"/>
               <a:t> занятия: </a:t>
             </a:r>
             <a:r>
-              <a:rPr lang="en-US" sz="2400" b="1" dirty="0" smtClean="0">
+              <a:rPr lang="en-US" sz="2400" b="1" dirty="0">
                 <a:solidFill>
                   <a:srgbClr val="0070C0"/>
                 </a:solidFill>
@@ -5379,7 +5397,7 @@
               <a:t>./</a:t>
             </a:r>
             <a:r>
-              <a:rPr lang="en-US" sz="2400" b="1" dirty="0" err="1" smtClean="0">
+              <a:rPr lang="en-US" sz="2400" b="1" dirty="0" err="1">
                 <a:solidFill>
                   <a:srgbClr val="0070C0"/>
                 </a:solidFill>
@@ -5387,7 +5405,7 @@
               <a:t>src</a:t>
             </a:r>
             <a:r>
-              <a:rPr lang="en-US" sz="2400" b="1" dirty="0" smtClean="0">
+              <a:rPr lang="en-US" sz="2400" b="1" dirty="0">
                 <a:solidFill>
                   <a:srgbClr val="0070C0"/>
                 </a:solidFill>
@@ -5436,13 +5454,6 @@
   <p:clrMapOvr>
     <a:masterClrMapping/>
   </p:clrMapOvr>
-  <p:timing>
-    <p:tnLst>
-      <p:par>
-        <p:cTn id="1" dur="indefinite" restart="never" nodeType="tmRoot"/>
-      </p:par>
-    </p:tnLst>
-  </p:timing>
 </p:sld>
 </file>
 
@@ -5522,13 +5533,6 @@
   <p:clrMapOvr>
     <a:masterClrMapping/>
   </p:clrMapOvr>
-  <p:timing>
-    <p:tnLst>
-      <p:par>
-        <p:cTn id="1" dur="indefinite" restart="never" nodeType="tmRoot"/>
-      </p:par>
-    </p:tnLst>
-  </p:timing>
 </p:sld>
 </file>
 
@@ -5561,7 +5565,7 @@
         </p:nvSpPr>
         <p:spPr>
           <a:xfrm>
-            <a:off x="0" y="116632"/>
+            <a:off x="0" y="1124744"/>
             <a:ext cx="12192000" cy="792088"/>
           </a:xfrm>
         </p:spPr>
@@ -5572,10 +5576,10 @@
           <a:lstStyle/>
           <a:p>
             <a:r>
-              <a:rPr lang="ru-RU" sz="4000" b="1" dirty="0" smtClean="0"/>
+              <a:rPr lang="ru-RU" sz="2800" b="1" dirty="0"/>
               <a:t>Индекс массы тела, с разметкой</a:t>
             </a:r>
-            <a:endParaRPr lang="ru-RU" sz="4000" b="1" dirty="0">
+            <a:endParaRPr lang="ru-RU" sz="2800" b="1" dirty="0">
               <a:solidFill>
                 <a:srgbClr val="00B050"/>
               </a:solidFill>
@@ -5676,27 +5680,27 @@
           <a:lstStyle/>
           <a:p>
             <a:r>
-              <a:rPr lang="ru-RU" sz="2700" dirty="0" smtClean="0"/>
+              <a:rPr lang="ru-RU" sz="2700" dirty="0"/>
               <a:t>Реализуйте </a:t>
             </a:r>
             <a:r>
-              <a:rPr lang="ru-RU" sz="2700" b="1" dirty="0" smtClean="0"/>
+              <a:rPr lang="ru-RU" sz="2700" b="1" dirty="0"/>
               <a:t>расчёт</a:t>
             </a:r>
             <a:r>
-              <a:rPr lang="ru-RU" sz="2700" dirty="0" smtClean="0"/>
+              <a:rPr lang="ru-RU" sz="2700" dirty="0"/>
               <a:t> и </a:t>
             </a:r>
             <a:r>
-              <a:rPr lang="ru-RU" sz="2700" b="1" dirty="0" smtClean="0"/>
+              <a:rPr lang="ru-RU" sz="2700" b="1" dirty="0"/>
               <a:t>вывод</a:t>
             </a:r>
             <a:r>
-              <a:rPr lang="ru-RU" sz="2700" dirty="0" smtClean="0"/>
+              <a:rPr lang="ru-RU" sz="2700" dirty="0"/>
               <a:t> </a:t>
             </a:r>
             <a:r>
-              <a:rPr lang="ru-RU" sz="2700" b="1" dirty="0" smtClean="0">
+              <a:rPr lang="ru-RU" sz="2700" b="1" dirty="0">
                 <a:solidFill>
                   <a:srgbClr val="00B0F0"/>
                 </a:solidFill>
@@ -5704,59 +5708,59 @@
               <a:t>индекса массы тела </a:t>
             </a:r>
             <a:r>
-              <a:rPr lang="ru-RU" sz="2700" dirty="0" smtClean="0"/>
+              <a:rPr lang="ru-RU" sz="2700" dirty="0"/>
               <a:t>(и диагноза) </a:t>
             </a:r>
             <a:r>
-              <a:rPr lang="ru-RU" sz="2700" b="1" dirty="0" smtClean="0"/>
+              <a:rPr lang="ru-RU" sz="2700" b="1" dirty="0"/>
               <a:t>в разметку</a:t>
             </a:r>
             <a:r>
-              <a:rPr lang="ru-RU" sz="2700" dirty="0" smtClean="0"/>
+              <a:rPr lang="ru-RU" sz="2700" dirty="0"/>
               <a:t> </a:t>
             </a:r>
             <a:r>
-              <a:rPr lang="en-US" sz="2700" dirty="0" smtClean="0"/>
+              <a:rPr lang="en-US" sz="2700" dirty="0"/>
               <a:t>HTML-</a:t>
             </a:r>
             <a:r>
-              <a:rPr lang="ru-RU" sz="2700" dirty="0" smtClean="0"/>
+              <a:rPr lang="ru-RU" sz="2700" dirty="0"/>
               <a:t>документа. </a:t>
             </a:r>
             <a:r>
-              <a:rPr lang="ru-RU" sz="2700" b="1" dirty="0" smtClean="0"/>
+              <a:rPr lang="ru-RU" sz="2700" b="1" dirty="0"/>
               <a:t>Разметку</a:t>
             </a:r>
             <a:r>
-              <a:rPr lang="ru-RU" sz="2700" dirty="0" smtClean="0"/>
+              <a:rPr lang="ru-RU" sz="2700" dirty="0"/>
               <a:t> </a:t>
             </a:r>
             <a:r>
-              <a:rPr lang="ru-RU" sz="2700" b="1" dirty="0" smtClean="0"/>
+              <a:rPr lang="ru-RU" sz="2700" b="1" dirty="0"/>
               <a:t>необходимо</a:t>
             </a:r>
             <a:r>
-              <a:rPr lang="ru-RU" sz="2700" dirty="0" smtClean="0"/>
+              <a:rPr lang="ru-RU" sz="2700" dirty="0"/>
               <a:t> предварительно </a:t>
             </a:r>
             <a:r>
-              <a:rPr lang="ru-RU" sz="2700" b="1" dirty="0" smtClean="0"/>
+              <a:rPr lang="ru-RU" sz="2700" b="1" dirty="0"/>
               <a:t>подготовить</a:t>
             </a:r>
             <a:r>
-              <a:rPr lang="ru-RU" sz="2700" dirty="0" smtClean="0"/>
+              <a:rPr lang="ru-RU" sz="2700" dirty="0"/>
               <a:t> (</a:t>
             </a:r>
             <a:r>
-              <a:rPr lang="en-US" sz="2700" b="1" dirty="0" smtClean="0"/>
+              <a:rPr lang="en-US" sz="2700" b="1" dirty="0"/>
               <a:t>Bootstrap</a:t>
             </a:r>
             <a:r>
-              <a:rPr lang="en-US" sz="2700" dirty="0" smtClean="0"/>
+              <a:rPr lang="en-US" sz="2700" dirty="0"/>
               <a:t> </a:t>
             </a:r>
             <a:r>
-              <a:rPr lang="ru-RU" sz="2700" dirty="0" smtClean="0"/>
+              <a:rPr lang="ru-RU" sz="2700" dirty="0"/>
               <a:t>может помочь). Учите возможность того, что пользователь по ошибке введёт сантиметры.</a:t>
             </a:r>
             <a:endParaRPr lang="uk-UA" sz="2700" i="1" dirty="0"/>
@@ -5779,8 +5783,8 @@
         </p:blipFill>
         <p:spPr>
           <a:xfrm>
-            <a:off x="2711624" y="981567"/>
-            <a:ext cx="6696744" cy="3727895"/>
+            <a:off x="3683732" y="2086156"/>
+            <a:ext cx="4824536" cy="2685688"/>
           </a:xfrm>
           <a:prstGeom prst="rect">
             <a:avLst/>
@@ -5797,6 +5801,55 @@
           </a:effectLst>
         </p:spPr>
       </p:pic>
+      <p:sp>
+        <p:nvSpPr>
+          <p:cNvPr id="9" name="TextBox 8">
+            <a:extLst>
+              <a:ext uri="{FF2B5EF4-FFF2-40B4-BE49-F238E27FC236}">
+                <a16:creationId xmlns:a16="http://schemas.microsoft.com/office/drawing/2014/main" id="{08A3F6D9-4902-4CFD-AAE4-BE6285BFB572}"/>
+              </a:ext>
+            </a:extLst>
+          </p:cNvPr>
+          <p:cNvSpPr txBox="1"/>
+          <p:nvPr/>
+        </p:nvSpPr>
+        <p:spPr>
+          <a:xfrm>
+            <a:off x="0" y="416858"/>
+            <a:ext cx="12191999" cy="707886"/>
+          </a:xfrm>
+          <a:prstGeom prst="rect">
+            <a:avLst/>
+          </a:prstGeom>
+          <a:noFill/>
+        </p:spPr>
+        <p:txBody>
+          <a:bodyPr wrap="square" rtlCol="0">
+            <a:spAutoFit/>
+          </a:bodyPr>
+          <a:lstStyle/>
+          <a:p>
+            <a:pPr algn="ctr"/>
+            <a:r>
+              <a:rPr lang="ru-RU" sz="4000" b="1" dirty="0"/>
+              <a:t>Домашнее задание </a:t>
+            </a:r>
+            <a:r>
+              <a:rPr lang="en-US" sz="4000" b="1" dirty="0">
+                <a:solidFill>
+                  <a:srgbClr val="00B050"/>
+                </a:solidFill>
+              </a:rPr>
+              <a:t>#C1</a:t>
+            </a:r>
+            <a:endParaRPr lang="ru-RU" sz="4000" b="1" dirty="0">
+              <a:solidFill>
+                <a:srgbClr val="00B050"/>
+              </a:solidFill>
+            </a:endParaRPr>
+          </a:p>
+        </p:txBody>
+      </p:sp>
     </p:spTree>
     <p:extLst>
       <p:ext uri="{BB962C8B-B14F-4D97-AF65-F5344CB8AC3E}">
@@ -5807,13 +5860,633 @@
   <p:clrMapOvr>
     <a:masterClrMapping/>
   </p:clrMapOvr>
-  <p:timing>
-    <p:tnLst>
-      <p:par>
-        <p:cTn id="1" dur="indefinite" restart="never" nodeType="tmRoot"/>
-      </p:par>
-    </p:tnLst>
-  </p:timing>
+</p:sld>
+</file>
+
+<file path=ppt/slides/slide19.xml><?xml version="1.0" encoding="utf-8"?>
+<p:sld xmlns:a="http://schemas.openxmlformats.org/drawingml/2006/main" xmlns:r="http://schemas.openxmlformats.org/officeDocument/2006/relationships" xmlns:p="http://schemas.openxmlformats.org/presentationml/2006/main">
+  <p:cSld>
+    <p:spTree>
+      <p:nvGrpSpPr>
+        <p:cNvPr id="1" name=""/>
+        <p:cNvGrpSpPr/>
+        <p:nvPr/>
+      </p:nvGrpSpPr>
+      <p:grpSpPr>
+        <a:xfrm>
+          <a:off x="0" y="0"/>
+          <a:ext cx="0" cy="0"/>
+          <a:chOff x="0" y="0"/>
+          <a:chExt cx="0" cy="0"/>
+        </a:xfrm>
+      </p:grpSpPr>
+      <p:sp>
+        <p:nvSpPr>
+          <p:cNvPr id="8" name="Номер слайда 36"/>
+          <p:cNvSpPr txBox="1">
+            <a:spLocks/>
+          </p:cNvSpPr>
+          <p:nvPr/>
+        </p:nvSpPr>
+        <p:spPr>
+          <a:xfrm>
+            <a:off x="11208568" y="6093296"/>
+            <a:ext cx="648072" cy="432048"/>
+          </a:xfrm>
+          <a:prstGeom prst="roundRect">
+            <a:avLst/>
+          </a:prstGeom>
+          <a:ln w="25400" cap="flat" cmpd="sng" algn="ctr">
+            <a:solidFill>
+              <a:schemeClr val="tx2">
+                <a:lumMod val="60000"/>
+                <a:lumOff val="40000"/>
+              </a:schemeClr>
+            </a:solidFill>
+            <a:prstDash val="solid"/>
+          </a:ln>
+        </p:spPr>
+        <p:style>
+          <a:lnRef idx="2">
+            <a:schemeClr val="accent1"/>
+          </a:lnRef>
+          <a:fillRef idx="1">
+            <a:schemeClr val="lt1"/>
+          </a:fillRef>
+          <a:effectRef idx="0">
+            <a:schemeClr val="accent1"/>
+          </a:effectRef>
+          <a:fontRef idx="minor">
+            <a:schemeClr val="dk1"/>
+          </a:fontRef>
+        </p:style>
+        <p:txBody>
+          <a:bodyPr vert="horz" lIns="91440" tIns="45720" rIns="91440" bIns="45720" rtlCol="0" anchor="ctr"/>
+          <a:lstStyle/>
+          <a:p>
+            <a:pPr algn="ctr">
+              <a:defRPr/>
+            </a:pPr>
+            <a:fld id="{6389AA22-90B4-448C-8B6B-C699140D38B9}" type="slidenum">
+              <a:rPr lang="uk-UA" sz="2400" b="1">
+                <a:solidFill>
+                  <a:schemeClr val="bg1">
+                    <a:lumMod val="50000"/>
+                  </a:schemeClr>
+                </a:solidFill>
+              </a:rPr>
+              <a:pPr algn="ctr">
+                <a:defRPr/>
+              </a:pPr>
+              <a:t>19</a:t>
+            </a:fld>
+            <a:endParaRPr lang="uk-UA" sz="2400" b="1" dirty="0">
+              <a:solidFill>
+                <a:schemeClr val="bg1">
+                  <a:lumMod val="50000"/>
+                </a:schemeClr>
+              </a:solidFill>
+            </a:endParaRPr>
+          </a:p>
+        </p:txBody>
+      </p:sp>
+      <p:sp>
+        <p:nvSpPr>
+          <p:cNvPr id="10" name="TextBox 9"/>
+          <p:cNvSpPr txBox="1"/>
+          <p:nvPr/>
+        </p:nvSpPr>
+        <p:spPr>
+          <a:xfrm>
+            <a:off x="582075" y="4586352"/>
+            <a:ext cx="10009112" cy="1938992"/>
+          </a:xfrm>
+          <a:prstGeom prst="rect">
+            <a:avLst/>
+          </a:prstGeom>
+          <a:noFill/>
+        </p:spPr>
+        <p:txBody>
+          <a:bodyPr wrap="square" rtlCol="0">
+            <a:spAutoFit/>
+          </a:bodyPr>
+          <a:lstStyle/>
+          <a:p>
+            <a:r>
+              <a:rPr lang="ru-RU" sz="2000" b="1" dirty="0"/>
+              <a:t>Задача: </a:t>
+            </a:r>
+            <a:r>
+              <a:rPr lang="ru-RU" sz="2000" dirty="0"/>
+              <a:t>в массиве содержаться данные о ежедневной цене </a:t>
+            </a:r>
+            <a:r>
+              <a:rPr lang="ru-RU" sz="2000" dirty="0" err="1"/>
+              <a:t>биткоина</a:t>
+            </a:r>
+            <a:r>
+              <a:rPr lang="ru-RU" sz="2000" dirty="0"/>
+              <a:t> (</a:t>
+            </a:r>
+            <a:r>
+              <a:rPr lang="ru-RU" sz="2000" b="1" dirty="0"/>
+              <a:t>длина массива и его содержимое может меняться</a:t>
+            </a:r>
+            <a:r>
+              <a:rPr lang="ru-RU" sz="2000" dirty="0"/>
+              <a:t>), за какое-то количество дней. Скрипт должен </a:t>
+            </a:r>
+            <a:r>
+              <a:rPr lang="ru-RU" sz="2000" b="1" dirty="0">
+                <a:solidFill>
+                  <a:srgbClr val="00B050"/>
+                </a:solidFill>
+              </a:rPr>
+              <a:t>рассчитать какую максимальную прибыль </a:t>
+            </a:r>
+            <a:r>
+              <a:rPr lang="ru-RU" sz="2000" dirty="0"/>
+              <a:t>(и сообщить её пользователю) можно получить если сначала купить </a:t>
+            </a:r>
+            <a:r>
+              <a:rPr lang="ru-RU" sz="2000" dirty="0" err="1"/>
+              <a:t>биткоин</a:t>
+            </a:r>
+            <a:r>
+              <a:rPr lang="ru-RU" sz="2000" dirty="0"/>
+              <a:t>, а затем продать его (именно в такой последовательности, продать раньше чем купить нельзя). Можно совершить только одну покупку и одну продажу. </a:t>
+            </a:r>
+            <a:r>
+              <a:rPr lang="ru-RU" sz="2000" b="1" dirty="0"/>
+              <a:t>Цикл внутри цикла </a:t>
+            </a:r>
+            <a:r>
+              <a:rPr lang="ru-RU" sz="2000" dirty="0"/>
+              <a:t>поможем справится с этой задачей.</a:t>
+            </a:r>
+          </a:p>
+        </p:txBody>
+      </p:sp>
+      <p:sp>
+        <p:nvSpPr>
+          <p:cNvPr id="2" name="TextBox 1"/>
+          <p:cNvSpPr txBox="1"/>
+          <p:nvPr/>
+        </p:nvSpPr>
+        <p:spPr>
+          <a:xfrm>
+            <a:off x="1775520" y="2843645"/>
+            <a:ext cx="7064755" cy="646331"/>
+          </a:xfrm>
+          <a:prstGeom prst="rect">
+            <a:avLst/>
+          </a:prstGeom>
+          <a:noFill/>
+        </p:spPr>
+        <p:txBody>
+          <a:bodyPr wrap="none" rtlCol="0">
+            <a:spAutoFit/>
+          </a:bodyPr>
+          <a:lstStyle/>
+          <a:p>
+            <a:r>
+              <a:rPr lang="en-US" sz="3600" dirty="0"/>
+              <a:t>[</a:t>
+            </a:r>
+            <a:r>
+              <a:rPr lang="ru-RU" sz="3600" dirty="0"/>
+              <a:t>10, 1</a:t>
+            </a:r>
+            <a:r>
+              <a:rPr lang="en-US" sz="3600" dirty="0"/>
+              <a:t>8, </a:t>
+            </a:r>
+            <a:r>
+              <a:rPr lang="ru-RU" sz="3600" dirty="0"/>
+              <a:t>33</a:t>
+            </a:r>
+            <a:r>
+              <a:rPr lang="en-US" sz="3600" dirty="0"/>
+              <a:t>, 7,</a:t>
+            </a:r>
+            <a:r>
+              <a:rPr lang="ru-RU" sz="3600" dirty="0"/>
+              <a:t> 31, </a:t>
+            </a:r>
+            <a:r>
+              <a:rPr lang="ru-RU" sz="3600" b="1" dirty="0">
+                <a:solidFill>
+                  <a:srgbClr val="0070C0"/>
+                </a:solidFill>
+              </a:rPr>
+              <a:t>3</a:t>
+            </a:r>
+            <a:r>
+              <a:rPr lang="ru-RU" sz="3600" dirty="0"/>
+              <a:t>, 8, 22, </a:t>
+            </a:r>
+            <a:r>
+              <a:rPr lang="ru-RU" sz="3600" b="1" dirty="0">
+                <a:solidFill>
+                  <a:srgbClr val="00B050"/>
+                </a:solidFill>
+              </a:rPr>
+              <a:t>29</a:t>
+            </a:r>
+            <a:r>
+              <a:rPr lang="ru-RU" sz="3600" dirty="0"/>
+              <a:t>, 7, 8 …</a:t>
+            </a:r>
+            <a:r>
+              <a:rPr lang="en-US" sz="3600" dirty="0"/>
+              <a:t>]</a:t>
+            </a:r>
+            <a:endParaRPr lang="uk-UA" sz="3600" dirty="0"/>
+          </a:p>
+        </p:txBody>
+      </p:sp>
+      <p:sp>
+        <p:nvSpPr>
+          <p:cNvPr id="3" name="Стрелка вниз 2"/>
+          <p:cNvSpPr/>
+          <p:nvPr/>
+        </p:nvSpPr>
+        <p:spPr>
+          <a:xfrm>
+            <a:off x="5055870" y="2357335"/>
+            <a:ext cx="432048" cy="484569"/>
+          </a:xfrm>
+          <a:prstGeom prst="downArrow">
+            <a:avLst/>
+          </a:prstGeom>
+          <a:noFill/>
+        </p:spPr>
+        <p:style>
+          <a:lnRef idx="2">
+            <a:schemeClr val="accent1">
+              <a:shade val="50000"/>
+            </a:schemeClr>
+          </a:lnRef>
+          <a:fillRef idx="1">
+            <a:schemeClr val="accent1"/>
+          </a:fillRef>
+          <a:effectRef idx="0">
+            <a:schemeClr val="accent1"/>
+          </a:effectRef>
+          <a:fontRef idx="minor">
+            <a:schemeClr val="lt1"/>
+          </a:fontRef>
+        </p:style>
+        <p:txBody>
+          <a:bodyPr rtlCol="0" anchor="ctr"/>
+          <a:lstStyle/>
+          <a:p>
+            <a:pPr algn="ctr"/>
+            <a:endParaRPr lang="uk-UA"/>
+          </a:p>
+        </p:txBody>
+      </p:sp>
+      <p:sp>
+        <p:nvSpPr>
+          <p:cNvPr id="4" name="TextBox 3"/>
+          <p:cNvSpPr txBox="1"/>
+          <p:nvPr/>
+        </p:nvSpPr>
+        <p:spPr>
+          <a:xfrm>
+            <a:off x="4690517" y="1896507"/>
+            <a:ext cx="1162754" cy="369332"/>
+          </a:xfrm>
+          <a:prstGeom prst="rect">
+            <a:avLst/>
+          </a:prstGeom>
+          <a:solidFill>
+            <a:schemeClr val="accent5">
+              <a:lumMod val="20000"/>
+              <a:lumOff val="80000"/>
+            </a:schemeClr>
+          </a:solidFill>
+          <a:ln>
+            <a:solidFill>
+              <a:schemeClr val="tx1"/>
+            </a:solidFill>
+            <a:prstDash val="sysDot"/>
+          </a:ln>
+        </p:spPr>
+        <p:txBody>
+          <a:bodyPr wrap="none" rtlCol="0">
+            <a:spAutoFit/>
+          </a:bodyPr>
+          <a:lstStyle/>
+          <a:p>
+            <a:r>
+              <a:rPr lang="ru-RU" dirty="0"/>
+              <a:t>Покупаем</a:t>
+            </a:r>
+            <a:endParaRPr lang="uk-UA" dirty="0"/>
+          </a:p>
+        </p:txBody>
+      </p:sp>
+      <p:sp>
+        <p:nvSpPr>
+          <p:cNvPr id="12" name="Стрелка вниз 11"/>
+          <p:cNvSpPr/>
+          <p:nvPr/>
+        </p:nvSpPr>
+        <p:spPr>
+          <a:xfrm rot="10800000">
+            <a:off x="6784062" y="3489976"/>
+            <a:ext cx="432048" cy="484569"/>
+          </a:xfrm>
+          <a:prstGeom prst="downArrow">
+            <a:avLst/>
+          </a:prstGeom>
+          <a:noFill/>
+          <a:ln>
+            <a:solidFill>
+              <a:srgbClr val="00B050"/>
+            </a:solidFill>
+          </a:ln>
+        </p:spPr>
+        <p:style>
+          <a:lnRef idx="2">
+            <a:schemeClr val="accent1">
+              <a:shade val="50000"/>
+            </a:schemeClr>
+          </a:lnRef>
+          <a:fillRef idx="1">
+            <a:schemeClr val="accent1"/>
+          </a:fillRef>
+          <a:effectRef idx="0">
+            <a:schemeClr val="accent1"/>
+          </a:effectRef>
+          <a:fontRef idx="minor">
+            <a:schemeClr val="lt1"/>
+          </a:fontRef>
+        </p:style>
+        <p:txBody>
+          <a:bodyPr rtlCol="0" anchor="ctr"/>
+          <a:lstStyle/>
+          <a:p>
+            <a:pPr algn="ctr"/>
+            <a:endParaRPr lang="uk-UA"/>
+          </a:p>
+        </p:txBody>
+      </p:sp>
+      <p:sp>
+        <p:nvSpPr>
+          <p:cNvPr id="13" name="TextBox 12"/>
+          <p:cNvSpPr txBox="1"/>
+          <p:nvPr/>
+        </p:nvSpPr>
+        <p:spPr>
+          <a:xfrm>
+            <a:off x="6462791" y="4067780"/>
+            <a:ext cx="1074590" cy="369332"/>
+          </a:xfrm>
+          <a:prstGeom prst="rect">
+            <a:avLst/>
+          </a:prstGeom>
+          <a:solidFill>
+            <a:schemeClr val="accent3">
+              <a:lumMod val="20000"/>
+              <a:lumOff val="80000"/>
+            </a:schemeClr>
+          </a:solidFill>
+          <a:ln>
+            <a:solidFill>
+              <a:schemeClr val="tx1"/>
+            </a:solidFill>
+            <a:prstDash val="sysDot"/>
+          </a:ln>
+        </p:spPr>
+        <p:txBody>
+          <a:bodyPr wrap="none" rtlCol="0">
+            <a:spAutoFit/>
+          </a:bodyPr>
+          <a:lstStyle/>
+          <a:p>
+            <a:r>
+              <a:rPr lang="ru-RU" dirty="0"/>
+              <a:t>Продаём</a:t>
+            </a:r>
+            <a:endParaRPr lang="uk-UA" dirty="0"/>
+          </a:p>
+        </p:txBody>
+      </p:sp>
+      <p:sp>
+        <p:nvSpPr>
+          <p:cNvPr id="6" name="TextBox 5"/>
+          <p:cNvSpPr txBox="1"/>
+          <p:nvPr/>
+        </p:nvSpPr>
+        <p:spPr>
+          <a:xfrm>
+            <a:off x="1829316" y="3872082"/>
+            <a:ext cx="2101857" cy="461665"/>
+          </a:xfrm>
+          <a:prstGeom prst="rect">
+            <a:avLst/>
+          </a:prstGeom>
+          <a:noFill/>
+        </p:spPr>
+        <p:txBody>
+          <a:bodyPr wrap="none" rtlCol="0">
+            <a:spAutoFit/>
+          </a:bodyPr>
+          <a:lstStyle/>
+          <a:p>
+            <a:r>
+              <a:rPr lang="ru-RU" sz="2400" b="1" dirty="0"/>
+              <a:t>Прибыль: 26</a:t>
+            </a:r>
+            <a:r>
+              <a:rPr lang="en-US" sz="2400" b="1" dirty="0"/>
+              <a:t>$</a:t>
+            </a:r>
+            <a:endParaRPr lang="uk-UA" sz="2400" b="1" dirty="0"/>
+          </a:p>
+        </p:txBody>
+      </p:sp>
+      <p:sp>
+        <p:nvSpPr>
+          <p:cNvPr id="11" name="TextBox 10"/>
+          <p:cNvSpPr txBox="1"/>
+          <p:nvPr/>
+        </p:nvSpPr>
+        <p:spPr>
+          <a:xfrm>
+            <a:off x="0" y="260648"/>
+            <a:ext cx="12191999" cy="707886"/>
+          </a:xfrm>
+          <a:prstGeom prst="rect">
+            <a:avLst/>
+          </a:prstGeom>
+          <a:noFill/>
+        </p:spPr>
+        <p:txBody>
+          <a:bodyPr wrap="square" rtlCol="0">
+            <a:spAutoFit/>
+          </a:bodyPr>
+          <a:lstStyle/>
+          <a:p>
+            <a:pPr algn="ctr"/>
+            <a:r>
+              <a:rPr lang="ru-RU" sz="4000" b="1" dirty="0"/>
+              <a:t>Домашнее задание </a:t>
+            </a:r>
+            <a:r>
+              <a:rPr lang="en-US" sz="4000" b="1" dirty="0">
+                <a:solidFill>
+                  <a:srgbClr val="00B050"/>
+                </a:solidFill>
+              </a:rPr>
+              <a:t>#C2</a:t>
+            </a:r>
+            <a:endParaRPr lang="ru-RU" sz="4000" b="1" dirty="0">
+              <a:solidFill>
+                <a:srgbClr val="00B050"/>
+              </a:solidFill>
+            </a:endParaRPr>
+          </a:p>
+        </p:txBody>
+      </p:sp>
+      <p:sp>
+        <p:nvSpPr>
+          <p:cNvPr id="7" name="Прямоугольник 6"/>
+          <p:cNvSpPr/>
+          <p:nvPr/>
+        </p:nvSpPr>
+        <p:spPr>
+          <a:xfrm rot="1544022">
+            <a:off x="8698401" y="1838846"/>
+            <a:ext cx="2356158" cy="584775"/>
+          </a:xfrm>
+          <a:prstGeom prst="rect">
+            <a:avLst/>
+          </a:prstGeom>
+          <a:solidFill>
+            <a:schemeClr val="accent6">
+              <a:lumMod val="40000"/>
+              <a:lumOff val="60000"/>
+            </a:schemeClr>
+          </a:solidFill>
+          <a:ln w="28575">
+            <a:solidFill>
+              <a:schemeClr val="accent6">
+                <a:lumMod val="75000"/>
+              </a:schemeClr>
+            </a:solidFill>
+          </a:ln>
+        </p:spPr>
+        <p:txBody>
+          <a:bodyPr wrap="none">
+            <a:spAutoFit/>
+          </a:bodyPr>
+          <a:lstStyle/>
+          <a:p>
+            <a:r>
+              <a:rPr lang="en-US" sz="3200" b="1" dirty="0">
+                <a:solidFill>
+                  <a:srgbClr val="FF0000"/>
+                </a:solidFill>
+              </a:rPr>
+              <a:t>C</a:t>
+            </a:r>
+            <a:r>
+              <a:rPr lang="uk-UA" sz="3200" b="1" dirty="0" err="1">
+                <a:solidFill>
+                  <a:srgbClr val="FF0000"/>
+                </a:solidFill>
+              </a:rPr>
+              <a:t>ложн</a:t>
+            </a:r>
+            <a:r>
+              <a:rPr lang="ru-RU" sz="3200" b="1" dirty="0" err="1">
+                <a:solidFill>
+                  <a:srgbClr val="FF0000"/>
+                </a:solidFill>
+              </a:rPr>
+              <a:t>ое</a:t>
+            </a:r>
+            <a:r>
+              <a:rPr lang="ru-RU" sz="3200" b="1" dirty="0">
+                <a:solidFill>
+                  <a:srgbClr val="FF0000"/>
+                </a:solidFill>
+              </a:rPr>
+              <a:t> ДЗ</a:t>
+            </a:r>
+            <a:endParaRPr lang="ru-RU" sz="3200" dirty="0"/>
+          </a:p>
+        </p:txBody>
+      </p:sp>
+      <p:sp>
+        <p:nvSpPr>
+          <p:cNvPr id="14" name="Заголовок 6">
+            <a:extLst>
+              <a:ext uri="{FF2B5EF4-FFF2-40B4-BE49-F238E27FC236}">
+                <a16:creationId xmlns:a16="http://schemas.microsoft.com/office/drawing/2014/main" id="{8ECB4957-EBD5-4A9B-8ED7-6A20257062D4}"/>
+              </a:ext>
+            </a:extLst>
+          </p:cNvPr>
+          <p:cNvSpPr>
+            <a:spLocks noGrp="1"/>
+          </p:cNvSpPr>
+          <p:nvPr>
+            <p:ph type="title"/>
+          </p:nvPr>
+        </p:nvSpPr>
+        <p:spPr>
+          <a:xfrm>
+            <a:off x="0" y="980728"/>
+            <a:ext cx="12192000" cy="792088"/>
+          </a:xfrm>
+        </p:spPr>
+        <p:txBody>
+          <a:bodyPr>
+            <a:noAutofit/>
+          </a:bodyPr>
+          <a:lstStyle/>
+          <a:p>
+            <a:r>
+              <a:rPr lang="uk-UA" sz="2800" b="1" dirty="0"/>
+              <a:t>«</a:t>
+            </a:r>
+            <a:r>
+              <a:rPr lang="uk-UA" sz="2800" b="1" dirty="0" err="1"/>
+              <a:t>Цена</a:t>
+            </a:r>
+            <a:r>
+              <a:rPr lang="uk-UA" sz="2800" b="1" dirty="0"/>
+              <a:t> </a:t>
+            </a:r>
+            <a:r>
+              <a:rPr lang="uk-UA" sz="2800" b="1" dirty="0" err="1"/>
+              <a:t>Биткоина</a:t>
+            </a:r>
+            <a:r>
+              <a:rPr lang="uk-UA" sz="2800" b="1" dirty="0"/>
+              <a:t>»</a:t>
+            </a:r>
+            <a:endParaRPr lang="ru-RU" sz="2800" b="1" dirty="0">
+              <a:solidFill>
+                <a:srgbClr val="00B050"/>
+              </a:solidFill>
+            </a:endParaRPr>
+          </a:p>
+        </p:txBody>
+      </p:sp>
+    </p:spTree>
+    <p:extLst>
+      <p:ext uri="{BB962C8B-B14F-4D97-AF65-F5344CB8AC3E}">
+        <p14:creationId xmlns:p14="http://schemas.microsoft.com/office/powerpoint/2010/main" val="3522936592"/>
+      </p:ext>
+    </p:extLst>
+  </p:cSld>
+  <p:clrMapOvr>
+    <a:masterClrMapping/>
+  </p:clrMapOvr>
 </p:sld>
 </file>
 
@@ -5876,7 +6549,7 @@
           <a:p>
             <a:pPr algn="ctr"/>
             <a:r>
-              <a:rPr lang="ru-RU" sz="8800" b="1" dirty="0" smtClean="0"/>
+              <a:rPr lang="ru-RU" sz="8800" b="1" dirty="0"/>
               <a:t>1. Функции</a:t>
             </a:r>
             <a:endParaRPr lang="uk-UA" sz="8800" b="1" dirty="0"/>
@@ -5893,13 +6566,6 @@
   <p:clrMapOvr>
     <a:masterClrMapping/>
   </p:clrMapOvr>
-  <p:timing>
-    <p:tnLst>
-      <p:par>
-        <p:cTn id="1" dur="indefinite" restart="never" nodeType="tmRoot"/>
-      </p:par>
-    </p:tnLst>
-  </p:timing>
 </p:sld>
 </file>
 
@@ -5943,19 +6609,19 @@
           <a:lstStyle/>
           <a:p>
             <a:r>
-              <a:rPr lang="ru-RU" b="1" dirty="0" smtClean="0"/>
+              <a:rPr lang="ru-RU" b="1" dirty="0"/>
               <a:t>Функции</a:t>
             </a:r>
             <a:r>
-              <a:rPr lang="en-US" b="1" dirty="0" smtClean="0"/>
+              <a:rPr lang="en-US" b="1" dirty="0"/>
               <a:t> </a:t>
             </a:r>
             <a:r>
-              <a:rPr lang="ru-RU" b="1" dirty="0" smtClean="0"/>
+              <a:rPr lang="ru-RU" b="1" dirty="0"/>
               <a:t>в </a:t>
             </a:r>
             <a:r>
-              <a:rPr lang="en-US" b="1" dirty="0" smtClean="0"/>
+              <a:rPr lang="en-US" b="1" dirty="0"/>
               <a:t>JavaScript</a:t>
             </a:r>
             <a:endParaRPr lang="uk-UA" b="1" dirty="0">
@@ -5996,19 +6662,7 @@
             </a:r>
             <a:r>
               <a:rPr lang="ru-RU" sz="2400" dirty="0"/>
-              <a:t> – фрагмент кода, у </a:t>
-            </a:r>
-            <a:r>
-              <a:rPr lang="ru-RU" sz="2400" dirty="0" smtClean="0"/>
-              <a:t>которого, как правило, </a:t>
-            </a:r>
-            <a:r>
-              <a:rPr lang="ru-RU" sz="2400" dirty="0"/>
-              <a:t>есть имя, который можно вызывать из любого места в программе</a:t>
-            </a:r>
-            <a:r>
-              <a:rPr lang="ru-RU" sz="2400" dirty="0" smtClean="0"/>
-              <a:t>. </a:t>
+              <a:t> – фрагмент кода, у которого, как правило, есть имя, который можно вызывать из любого места в программе. </a:t>
             </a:r>
             <a:r>
               <a:rPr lang="ru-RU" sz="2400" b="1" dirty="0"/>
@@ -6016,23 +6670,7 @@
             </a:r>
             <a:r>
               <a:rPr lang="ru-RU" sz="2400" dirty="0"/>
-              <a:t> уменьшают </a:t>
-            </a:r>
-            <a:r>
-              <a:rPr lang="ru-RU" sz="2400" dirty="0" smtClean="0"/>
-              <a:t>дублирование </a:t>
-            </a:r>
-            <a:r>
-              <a:rPr lang="ru-RU" sz="2400" dirty="0"/>
-              <a:t>кода в программе, код функции пишется один </a:t>
-            </a:r>
-            <a:r>
-              <a:rPr lang="ru-RU" sz="2400" dirty="0" smtClean="0"/>
-              <a:t>раз - </a:t>
-            </a:r>
-            <a:r>
-              <a:rPr lang="ru-RU" sz="2400" dirty="0"/>
-              <a:t>используется многократно.  </a:t>
+              <a:t> уменьшают дублирование кода в программе, код функции пишется один раз - используется многократно.  </a:t>
             </a:r>
             <a:endParaRPr lang="uk-UA" sz="2400" dirty="0"/>
           </a:p>
@@ -6224,13 +6862,6 @@
   <p:clrMapOvr>
     <a:masterClrMapping/>
   </p:clrMapOvr>
-  <p:timing>
-    <p:tnLst>
-      <p:par>
-        <p:cTn id="1" dur="indefinite" restart="never" nodeType="tmRoot"/>
-      </p:par>
-    </p:tnLst>
-  </p:timing>
 </p:sld>
 </file>
 
@@ -6457,19 +7088,19 @@
           </a:lstStyle>
           <a:p>
             <a:r>
-              <a:rPr lang="ru-RU" b="1" dirty="0" smtClean="0"/>
+              <a:rPr lang="ru-RU" b="1" dirty="0"/>
               <a:t>Функции</a:t>
             </a:r>
             <a:r>
-              <a:rPr lang="en-US" b="1" dirty="0" smtClean="0"/>
+              <a:rPr lang="en-US" b="1" dirty="0"/>
               <a:t> </a:t>
             </a:r>
             <a:r>
-              <a:rPr lang="ru-RU" b="1" dirty="0" smtClean="0"/>
+              <a:rPr lang="ru-RU" b="1" dirty="0"/>
               <a:t>в </a:t>
             </a:r>
             <a:r>
-              <a:rPr lang="en-US" b="1" dirty="0" smtClean="0"/>
+              <a:rPr lang="en-US" b="1" dirty="0"/>
               <a:t>JavaScript</a:t>
             </a:r>
             <a:endParaRPr lang="uk-UA" b="1" dirty="0">
@@ -6487,13 +7118,6 @@
   <p:clrMapOvr>
     <a:masterClrMapping/>
   </p:clrMapOvr>
-  <p:timing>
-    <p:tnLst>
-      <p:par>
-        <p:cTn id="1" dur="indefinite" restart="never" nodeType="tmRoot"/>
-      </p:par>
-    </p:tnLst>
-  </p:timing>
 </p:sld>
 </file>
 
@@ -6699,19 +7323,19 @@
           </a:lstStyle>
           <a:p>
             <a:r>
-              <a:rPr lang="ru-RU" b="1" dirty="0" smtClean="0"/>
+              <a:rPr lang="ru-RU" b="1" dirty="0"/>
               <a:t>Функции</a:t>
             </a:r>
             <a:r>
-              <a:rPr lang="en-US" b="1" dirty="0" smtClean="0"/>
+              <a:rPr lang="en-US" b="1" dirty="0"/>
               <a:t> </a:t>
             </a:r>
             <a:r>
-              <a:rPr lang="ru-RU" b="1" dirty="0" smtClean="0"/>
+              <a:rPr lang="ru-RU" b="1" dirty="0"/>
               <a:t>в </a:t>
             </a:r>
             <a:r>
-              <a:rPr lang="en-US" b="1" dirty="0" smtClean="0"/>
+              <a:rPr lang="en-US" b="1" dirty="0"/>
               <a:t>JavaScript</a:t>
             </a:r>
             <a:endParaRPr lang="uk-UA" b="1" dirty="0">
@@ -6729,13 +7353,6 @@
   <p:clrMapOvr>
     <a:masterClrMapping/>
   </p:clrMapOvr>
-  <p:timing>
-    <p:tnLst>
-      <p:par>
-        <p:cTn id="1" dur="indefinite" restart="never" nodeType="tmRoot"/>
-      </p:par>
-    </p:tnLst>
-  </p:timing>
 </p:sld>
 </file>
 
@@ -6858,14 +7475,10 @@
             </a:r>
             <a:r>
               <a:rPr lang="ru-RU" sz="2400" dirty="0"/>
-              <a:t> – круглые скобки: </a:t>
-            </a:r>
-            <a:r>
-              <a:rPr lang="ru-RU" sz="2400" dirty="0" smtClean="0"/>
-              <a:t>например </a:t>
-            </a:r>
-            <a:r>
-              <a:rPr lang="en-US" sz="2400" b="1" dirty="0" smtClean="0">
+              <a:t> – круглые скобки: например </a:t>
+            </a:r>
+            <a:r>
+              <a:rPr lang="en-US" sz="2400" b="1" dirty="0">
                 <a:solidFill>
                   <a:srgbClr val="0070C0"/>
                 </a:solidFill>
@@ -7196,19 +7809,19 @@
           </a:lstStyle>
           <a:p>
             <a:r>
-              <a:rPr lang="ru-RU" b="1" dirty="0" smtClean="0"/>
+              <a:rPr lang="ru-RU" b="1" dirty="0"/>
               <a:t>Функции</a:t>
             </a:r>
             <a:r>
-              <a:rPr lang="en-US" b="1" dirty="0" smtClean="0"/>
+              <a:rPr lang="en-US" b="1" dirty="0"/>
               <a:t> </a:t>
             </a:r>
             <a:r>
-              <a:rPr lang="ru-RU" b="1" dirty="0" smtClean="0"/>
+              <a:rPr lang="ru-RU" b="1" dirty="0"/>
               <a:t>в </a:t>
             </a:r>
             <a:r>
-              <a:rPr lang="en-US" b="1" dirty="0" smtClean="0"/>
+              <a:rPr lang="en-US" b="1" dirty="0"/>
               <a:t>JavaScript</a:t>
             </a:r>
             <a:endParaRPr lang="uk-UA" b="1" dirty="0">
@@ -7226,13 +7839,6 @@
   <p:clrMapOvr>
     <a:masterClrMapping/>
   </p:clrMapOvr>
-  <p:timing>
-    <p:tnLst>
-      <p:par>
-        <p:cTn id="1" dur="indefinite" restart="never" nodeType="tmRoot"/>
-      </p:par>
-    </p:tnLst>
-  </p:timing>
 </p:sld>
 </file>
 
@@ -7590,13 +8196,6 @@
   <p:clrMapOvr>
     <a:masterClrMapping/>
   </p:clrMapOvr>
-  <p:timing>
-    <p:tnLst>
-      <p:par>
-        <p:cTn id="1" dur="indefinite" restart="never" nodeType="tmRoot"/>
-      </p:par>
-    </p:tnLst>
-  </p:timing>
 </p:sld>
 </file>
 
@@ -7816,11 +8415,11 @@
               <a:t>их значение будет </a:t>
             </a:r>
             <a:r>
-              <a:rPr lang="en-US" sz="2000" b="1" dirty="0" smtClean="0"/>
+              <a:rPr lang="en-US" sz="2000" b="1" dirty="0"/>
               <a:t>undefined</a:t>
             </a:r>
             <a:r>
-              <a:rPr lang="en-US" sz="2000" dirty="0" smtClean="0"/>
+              <a:rPr lang="en-US" sz="2000" dirty="0"/>
               <a:t>.</a:t>
             </a:r>
             <a:endParaRPr lang="uk-UA" sz="2000" dirty="0"/>
@@ -7866,13 +8465,6 @@
   <p:clrMapOvr>
     <a:masterClrMapping/>
   </p:clrMapOvr>
-  <p:timing>
-    <p:tnLst>
-      <p:par>
-        <p:cTn id="1" dur="indefinite" restart="never" nodeType="tmRoot"/>
-      </p:par>
-    </p:tnLst>
-  </p:timing>
 </p:sld>
 </file>
 
@@ -7916,7 +8508,7 @@
           <a:lstStyle/>
           <a:p>
             <a:r>
-              <a:rPr lang="ru-RU" b="1" dirty="0" smtClean="0"/>
+              <a:rPr lang="ru-RU" b="1" dirty="0"/>
               <a:t>Практическая ценность функций</a:t>
             </a:r>
             <a:endParaRPr lang="uk-UA" b="1" dirty="0">
@@ -8067,14 +8659,10 @@
             </a:r>
             <a:r>
               <a:rPr lang="ru-RU" sz="2800" dirty="0"/>
-              <a:t> от </a:t>
-            </a:r>
-            <a:r>
-              <a:rPr lang="ru-RU" sz="2800" dirty="0" smtClean="0"/>
-              <a:t>деталей</a:t>
-            </a:r>
-            <a:r>
-              <a:rPr lang="en-US" sz="2800" dirty="0" smtClean="0"/>
+              <a:t> от деталей</a:t>
+            </a:r>
+            <a:r>
+              <a:rPr lang="en-US" sz="2800" dirty="0"/>
               <a:t>.</a:t>
             </a:r>
             <a:endParaRPr lang="ru-RU" sz="2800" dirty="0"/>
@@ -8120,13 +8708,6 @@
   <p:clrMapOvr>
     <a:masterClrMapping/>
   </p:clrMapOvr>
-  <p:timing>
-    <p:tnLst>
-      <p:par>
-        <p:cTn id="1" dur="indefinite" restart="never" nodeType="tmRoot"/>
-      </p:par>
-    </p:tnLst>
-  </p:timing>
 </p:sld>
 </file>
 
